--- a/week2/Arviragus · SlidesCarnival.pptx
+++ b/week2/Arviragus · SlidesCarnival.pptx
@@ -5998,6 +5998,36 @@
           <a:chExt cx="0" cy="0"/>
         </a:xfrm>
       </p:grpSpPr>
+      <p:pic>
+        <p:nvPicPr>
+          <p:cNvPr id="2" name="图片 1">
+            <a:extLst>
+              <a:ext uri="{FF2B5EF4-FFF2-40B4-BE49-F238E27FC236}">
+                <a16:creationId xmlns:a16="http://schemas.microsoft.com/office/drawing/2014/main" id="{7D6DF29C-AD15-4A3D-8549-553FEA27FA00}"/>
+              </a:ext>
+            </a:extLst>
+          </p:cNvPr>
+          <p:cNvPicPr>
+            <a:picLocks noChangeAspect="1"/>
+          </p:cNvPicPr>
+          <p:nvPr/>
+        </p:nvPicPr>
+        <p:blipFill>
+          <a:blip r:embed="rId3"/>
+          <a:stretch>
+            <a:fillRect/>
+          </a:stretch>
+        </p:blipFill>
+        <p:spPr>
+          <a:xfrm>
+            <a:off x="3525677" y="406867"/>
+            <a:ext cx="2942235" cy="2902814"/>
+          </a:xfrm>
+          <a:prstGeom prst="rect">
+            <a:avLst/>
+          </a:prstGeom>
+        </p:spPr>
+      </p:pic>
       <p:sp>
         <p:nvSpPr>
           <p:cNvPr id="138" name="Google Shape;138;p20"/>
@@ -6086,7 +6116,7 @@
             </a:pPr>
             <a:r>
               <a:rPr lang="en-US" dirty="0"/>
-              <a:t>These are some useful advices for “Code Monkeys” regarding to variable naming.</a:t>
+              <a:t>There are some useful advices for “Code Monkeys” regarding to variable naming.</a:t>
             </a:r>
             <a:endParaRPr dirty="0"/>
           </a:p>

--- a/week2/Arviragus · SlidesCarnival.pptx
+++ b/week2/Arviragus · SlidesCarnival.pptx
@@ -247,6 +247,11 @@
       </a:defRPr>
     </a:lvl9pPr>
   </p:defaultTextStyle>
+  <p:extLst>
+    <p:ext uri="{EFAFB233-063F-42B5-8137-9DF3F51BA10A}">
+      <p15:sldGuideLst xmlns:p15="http://schemas.microsoft.com/office/powerpoint/2012/main"/>
+    </p:ext>
+  </p:extLst>
 </p:presentation>
 </file>
 
@@ -781,7 +786,7 @@
               </a:spcAft>
               <a:buNone/>
             </a:pPr>
-            <a:endParaRPr/>
+            <a:endParaRPr dirty="0"/>
           </a:p>
         </p:txBody>
       </p:sp>
@@ -876,56 +881,122 @@
           </a:bodyPr>
           <a:lstStyle/>
           <a:p>
-            <a:pPr marL="0" lvl="0" indent="0" algn="l" rtl="0">
-              <a:spcBef>
-                <a:spcPts val="0"/>
-              </a:spcBef>
-              <a:spcAft>
-                <a:spcPts val="0"/>
-              </a:spcAft>
-              <a:buNone/>
-            </a:pPr>
             <a:r>
-              <a:rPr lang="en-US" dirty="0"/>
-              <a:t>Error Handling you can find out what causes the error or you can define your own error handling function to optimize the behavior of the function</a:t>
+              <a:rPr lang="en-US" altLang="zh-CN" sz="1100" b="0" i="0" u="none" strike="noStrike" cap="none" dirty="0">
+                <a:solidFill>
+                  <a:srgbClr val="000000"/>
+                </a:solidFill>
+                <a:effectLst/>
+                <a:latin typeface="Arial"/>
+                <a:ea typeface="Arial"/>
+                <a:cs typeface="Arial"/>
+                <a:sym typeface="Arial"/>
+              </a:rPr>
+              <a:t>An abstract class is a special class that contains both abstract and non-abstract members in it.</a:t>
+            </a:r>
+            <a:br>
+              <a:rPr lang="en-US" altLang="zh-CN" dirty="0"/>
+            </a:br>
+            <a:r>
+              <a:rPr lang="en-US" altLang="zh-CN" sz="1100" b="0" i="0" u="none" strike="noStrike" cap="none" dirty="0">
+                <a:solidFill>
+                  <a:srgbClr val="000000"/>
+                </a:solidFill>
+                <a:effectLst/>
+                <a:latin typeface="Arial"/>
+                <a:ea typeface="Arial"/>
+                <a:cs typeface="Arial"/>
+                <a:sym typeface="Arial"/>
+              </a:rPr>
+              <a:t>A class can only inherit from one abstract Class.</a:t>
             </a:r>
           </a:p>
           <a:p>
-            <a:pPr marL="0" lvl="0" indent="0" algn="l" rtl="0">
-              <a:spcBef>
-                <a:spcPts val="0"/>
-              </a:spcBef>
-              <a:spcAft>
-                <a:spcPts val="0"/>
-              </a:spcAft>
-              <a:buNone/>
-            </a:pPr>
             <a:r>
-              <a:rPr lang="en-US" dirty="0"/>
-              <a:t>Encapsulation is about hiding </a:t>
-            </a:r>
-            <a:r>
-              <a:rPr lang="en-US" dirty="0" err="1"/>
-              <a:t>imformations</a:t>
-            </a:r>
-            <a:r>
-              <a:rPr lang="en-US" dirty="0"/>
-              <a:t>, programmer can focus on new object without worry about hidden details.</a:t>
+              <a:rPr lang="en-US" altLang="zh-CN" sz="1100" b="0" i="0" u="none" strike="noStrike" cap="none" dirty="0">
+                <a:solidFill>
+                  <a:srgbClr val="000000"/>
+                </a:solidFill>
+                <a:effectLst/>
+                <a:latin typeface="Arial"/>
+                <a:ea typeface="Arial"/>
+                <a:cs typeface="Arial"/>
+                <a:sym typeface="Arial"/>
+              </a:rPr>
+              <a:t>We cannot create object of an abstract class. </a:t>
             </a:r>
           </a:p>
           <a:p>
-            <a:pPr marL="0" lvl="0" indent="0" algn="l" rtl="0">
-              <a:spcBef>
-                <a:spcPts val="0"/>
-              </a:spcBef>
-              <a:spcAft>
-                <a:spcPts val="0"/>
-              </a:spcAft>
-              <a:buNone/>
-            </a:pPr>
             <a:r>
-              <a:rPr lang="en-US" dirty="0"/>
-              <a:t>Polymorphism is the ability to redefine methods for derived class;</a:t>
+              <a:rPr lang="en-US" altLang="zh-CN" sz="1100" b="0" i="0" u="none" strike="noStrike" cap="none" dirty="0">
+                <a:solidFill>
+                  <a:srgbClr val="000000"/>
+                </a:solidFill>
+                <a:effectLst/>
+                <a:latin typeface="Arial"/>
+                <a:ea typeface="Arial"/>
+                <a:cs typeface="Arial"/>
+                <a:sym typeface="Arial"/>
+              </a:rPr>
+              <a:t>Interface contains only abstract methods.</a:t>
+            </a:r>
+          </a:p>
+          <a:p>
+            <a:r>
+              <a:rPr lang="en-US" altLang="zh-CN" sz="1100" b="0" i="0" u="none" strike="noStrike" cap="none" dirty="0">
+                <a:solidFill>
+                  <a:srgbClr val="000000"/>
+                </a:solidFill>
+                <a:effectLst/>
+                <a:latin typeface="Arial"/>
+                <a:ea typeface="Arial"/>
+                <a:cs typeface="Arial"/>
+                <a:sym typeface="Arial"/>
+              </a:rPr>
+              <a:t>We cannot create object of an interface.</a:t>
+            </a:r>
+          </a:p>
+          <a:p>
+            <a:r>
+              <a:rPr lang="en-US" altLang="zh-CN" sz="1100" b="0" i="0" u="none" strike="noStrike" cap="none" dirty="0">
+                <a:solidFill>
+                  <a:srgbClr val="000000"/>
+                </a:solidFill>
+                <a:effectLst/>
+                <a:latin typeface="Arial"/>
+                <a:ea typeface="Arial"/>
+                <a:cs typeface="Arial"/>
+                <a:sym typeface="Arial"/>
+              </a:rPr>
+              <a:t>The default scope for a member in Interface is Public. So, no need to use the Public access specifier in the program.</a:t>
+            </a:r>
+          </a:p>
+          <a:p>
+            <a:r>
+              <a:rPr lang="en-US" altLang="zh-CN" sz="1100" b="1" i="0" u="none" strike="noStrike" cap="none" dirty="0">
+                <a:solidFill>
+                  <a:srgbClr val="000000"/>
+                </a:solidFill>
+                <a:effectLst/>
+                <a:latin typeface="Arial"/>
+                <a:ea typeface="Arial"/>
+                <a:cs typeface="Arial"/>
+                <a:sym typeface="Arial"/>
+              </a:rPr>
+              <a:t>NOTE - I</a:t>
+            </a:r>
+            <a:r>
+              <a:rPr lang="en-US" altLang="zh-CN" sz="1100" b="0" i="0" u="none" strike="noStrike" cap="none" dirty="0">
+                <a:solidFill>
+                  <a:srgbClr val="000000"/>
+                </a:solidFill>
+                <a:effectLst/>
+                <a:latin typeface="Arial"/>
+                <a:ea typeface="Arial"/>
+                <a:cs typeface="Arial"/>
+                <a:sym typeface="Arial"/>
+              </a:rPr>
+              <a:t>n case of multiple inheritance, use Interface.</a:t>
             </a:r>
           </a:p>
           <a:p>
@@ -1146,7 +1217,70 @@
               </a:spcAft>
               <a:buNone/>
             </a:pPr>
-            <a:endParaRPr/>
+            <a:r>
+              <a:rPr lang="en-US" altLang="zh-CN" sz="1100" b="0" i="0" u="none" strike="noStrike" cap="none" dirty="0">
+                <a:solidFill>
+                  <a:srgbClr val="000000"/>
+                </a:solidFill>
+                <a:effectLst/>
+                <a:latin typeface="Arial"/>
+                <a:ea typeface="Arial"/>
+                <a:cs typeface="Arial"/>
+                <a:sym typeface="Arial"/>
+              </a:rPr>
+              <a:t>A </a:t>
+            </a:r>
+            <a:r>
+              <a:rPr lang="en-US" altLang="zh-CN" sz="1100" b="0" i="1" u="none" strike="noStrike" cap="none" dirty="0">
+                <a:solidFill>
+                  <a:srgbClr val="000000"/>
+                </a:solidFill>
+                <a:effectLst/>
+                <a:latin typeface="Arial"/>
+                <a:ea typeface="Arial"/>
+                <a:cs typeface="Arial"/>
+                <a:sym typeface="Arial"/>
+              </a:rPr>
+              <a:t>query</a:t>
+            </a:r>
+            <a:r>
+              <a:rPr lang="en-US" altLang="zh-CN" sz="1100" b="0" i="0" u="none" strike="noStrike" cap="none" dirty="0">
+                <a:solidFill>
+                  <a:srgbClr val="000000"/>
+                </a:solidFill>
+                <a:effectLst/>
+                <a:latin typeface="Arial"/>
+                <a:ea typeface="Arial"/>
+                <a:cs typeface="Arial"/>
+                <a:sym typeface="Arial"/>
+              </a:rPr>
+              <a:t> is an expression that retrieves data from a data source.</a:t>
+            </a:r>
+          </a:p>
+          <a:p>
+            <a:pPr marL="0" lvl="0" indent="0" algn="l" rtl="0">
+              <a:spcBef>
+                <a:spcPts val="0"/>
+              </a:spcBef>
+              <a:spcAft>
+                <a:spcPts val="0"/>
+              </a:spcAft>
+              <a:buNone/>
+            </a:pPr>
+            <a:r>
+              <a:rPr lang="en-US" altLang="zh-CN" sz="1100" b="0" i="0" u="none" strike="noStrike" cap="none" dirty="0">
+                <a:solidFill>
+                  <a:srgbClr val="000000"/>
+                </a:solidFill>
+                <a:effectLst/>
+                <a:latin typeface="Arial"/>
+                <a:ea typeface="Arial"/>
+                <a:cs typeface="Arial"/>
+                <a:sym typeface="Arial"/>
+              </a:rPr>
+              <a:t>LINQ simplifies this situation by offering a consistent model for working with data across various kinds of data sources and formats.</a:t>
+            </a:r>
+            <a:endParaRPr dirty="0"/>
           </a:p>
         </p:txBody>
       </p:sp>
@@ -1241,6 +1375,66 @@
           </a:bodyPr>
           <a:lstStyle/>
           <a:p>
+            <a:r>
+              <a:rPr lang="en-US" altLang="zh-CN" sz="1100" b="0" i="0" u="none" strike="noStrike" cap="none" dirty="0">
+                <a:solidFill>
+                  <a:srgbClr val="000000"/>
+                </a:solidFill>
+                <a:effectLst/>
+                <a:latin typeface="Arial"/>
+                <a:ea typeface="Arial"/>
+                <a:cs typeface="Arial"/>
+                <a:sym typeface="Arial"/>
+              </a:rPr>
+              <a:t>All LINQ query operations consist of three distinct actions:</a:t>
+            </a:r>
+          </a:p>
+          <a:p>
+            <a:r>
+              <a:rPr lang="en-US" altLang="zh-CN" sz="1100" b="0" i="0" u="none" strike="noStrike" cap="none" dirty="0">
+                <a:solidFill>
+                  <a:srgbClr val="000000"/>
+                </a:solidFill>
+                <a:effectLst/>
+                <a:latin typeface="Arial"/>
+                <a:ea typeface="Arial"/>
+                <a:cs typeface="Arial"/>
+                <a:sym typeface="Arial"/>
+              </a:rPr>
+              <a:t>Obtain the data source.</a:t>
+            </a:r>
+          </a:p>
+          <a:p>
+            <a:r>
+              <a:rPr lang="en-US" altLang="zh-CN" sz="1100" b="0" i="0" u="none" strike="noStrike" cap="none" dirty="0">
+                <a:solidFill>
+                  <a:srgbClr val="000000"/>
+                </a:solidFill>
+                <a:effectLst/>
+                <a:latin typeface="Arial"/>
+                <a:ea typeface="Arial"/>
+                <a:cs typeface="Arial"/>
+                <a:sym typeface="Arial"/>
+              </a:rPr>
+              <a:t>Create the query.</a:t>
+            </a:r>
+          </a:p>
+          <a:p>
+            <a:r>
+              <a:rPr lang="en-US" altLang="zh-CN" sz="1100" b="0" i="0" u="none" strike="noStrike" cap="none" dirty="0">
+                <a:solidFill>
+                  <a:srgbClr val="000000"/>
+                </a:solidFill>
+                <a:effectLst/>
+                <a:latin typeface="Arial"/>
+                <a:ea typeface="Arial"/>
+                <a:cs typeface="Arial"/>
+                <a:sym typeface="Arial"/>
+              </a:rPr>
+              <a:t>Execute the query.</a:t>
+            </a:r>
+          </a:p>
+          <a:p>
             <a:pPr marL="0" lvl="0" indent="0" algn="l" rtl="0">
               <a:spcBef>
                 <a:spcPts val="0"/>
@@ -1250,7 +1444,19 @@
               </a:spcAft>
               <a:buNone/>
             </a:pPr>
-            <a:endParaRPr/>
+            <a:r>
+              <a:rPr lang="en-US" dirty="0"/>
+              <a:t>The data should support </a:t>
+            </a:r>
+            <a:r>
+              <a:rPr lang="en-US" dirty="0" err="1"/>
+              <a:t>Ienumerable</a:t>
+            </a:r>
+            <a:r>
+              <a:rPr lang="en-US" dirty="0"/>
+              <a:t> Interface;</a:t>
+            </a:r>
+            <a:endParaRPr dirty="0"/>
           </a:p>
         </p:txBody>
       </p:sp>
@@ -4817,7 +5023,15 @@
                   <a:srgbClr val="00B0F0"/>
                 </a:solidFill>
               </a:rPr>
-              <a:t>Demo2 </a:t>
+              <a:t>Demo</a:t>
+            </a:r>
+            <a:r>
+              <a:rPr lang="en-US" altLang="zh-CN" dirty="0">
+                <a:solidFill>
+                  <a:srgbClr val="00B0F0"/>
+                </a:solidFill>
+              </a:rPr>
+              <a:t>3</a:t>
             </a:r>
             <a:br>
               <a:rPr lang="en-US" dirty="0">
@@ -5707,11 +5921,6 @@
               </a:rPr>
               <a:t>1.</a:t>
             </a:r>
-            <a:endParaRPr sz="7200" dirty="0">
-              <a:solidFill>
-                <a:srgbClr val="FFC107"/>
-              </a:solidFill>
-            </a:endParaRPr>
           </a:p>
           <a:p>
             <a:pPr marL="0" lvl="0" indent="0" algn="l" rtl="0">
@@ -5727,7 +5936,6 @@
               <a:rPr lang="en-US" dirty="0"/>
               <a:t>About what I learned.</a:t>
             </a:r>
-            <a:endParaRPr dirty="0"/>
           </a:p>
         </p:txBody>
       </p:sp>
@@ -5767,12 +5975,8 @@
               <a:buChar char="•"/>
             </a:pPr>
             <a:r>
-              <a:rPr lang="en-US" altLang="zh-CN" dirty="0" err="1"/>
-              <a:t>.Net</a:t>
-            </a:r>
-            <a:r>
               <a:rPr lang="en-US" altLang="zh-CN" dirty="0"/>
-              <a:t> Collections</a:t>
+              <a:t>Abstract &amp; Interface</a:t>
             </a:r>
           </a:p>
           <a:p>
@@ -5782,7 +5986,7 @@
             </a:pPr>
             <a:r>
               <a:rPr lang="en-US" altLang="zh-CN" sz="1400" dirty="0"/>
-              <a:t>Strings</a:t>
+              <a:t>Abstract </a:t>
             </a:r>
           </a:p>
           <a:p>
@@ -5792,7 +5996,23 @@
             </a:pPr>
             <a:r>
               <a:rPr lang="en-US" altLang="zh-CN" sz="1400" dirty="0"/>
-              <a:t>List</a:t>
+              <a:t>Interface</a:t>
+            </a:r>
+          </a:p>
+          <a:p>
+            <a:pPr marL="285750" lvl="0" indent="-285750" algn="l" rtl="0">
+              <a:spcBef>
+                <a:spcPts val="0"/>
+              </a:spcBef>
+              <a:spcAft>
+                <a:spcPts val="0"/>
+              </a:spcAft>
+              <a:buFont typeface="Arial" panose="020B0604020202020204" pitchFamily="34" charset="0"/>
+              <a:buChar char="•"/>
+            </a:pPr>
+            <a:r>
+              <a:rPr lang="en-US" altLang="zh-CN" dirty="0"/>
+              <a:t>GC &amp; Dispose Pattern</a:t>
             </a:r>
           </a:p>
           <a:p>
@@ -5802,23 +6022,7 @@
             </a:pPr>
             <a:r>
               <a:rPr lang="en-US" altLang="zh-CN" sz="1400" dirty="0"/>
-              <a:t>Dictionary</a:t>
-            </a:r>
-          </a:p>
-          <a:p>
-            <a:pPr marL="285750" lvl="0" indent="-285750" algn="l" rtl="0">
-              <a:spcBef>
-                <a:spcPts val="0"/>
-              </a:spcBef>
-              <a:spcAft>
-                <a:spcPts val="0"/>
-              </a:spcAft>
-              <a:buFont typeface="Arial" panose="020B0604020202020204" pitchFamily="34" charset="0"/>
-              <a:buChar char="•"/>
-            </a:pPr>
-            <a:r>
-              <a:rPr lang="en-US" altLang="zh-CN" dirty="0"/>
-              <a:t>File IO Operation</a:t>
+              <a:t>Managed &amp; Unmanaged Source</a:t>
             </a:r>
           </a:p>
           <a:p>
@@ -5828,35 +6032,7 @@
             </a:pPr>
             <a:r>
               <a:rPr lang="en-US" altLang="zh-CN" sz="1400" dirty="0"/>
-              <a:t>FILE class</a:t>
-            </a:r>
-          </a:p>
-          <a:p>
-            <a:pPr marL="800100" lvl="1" indent="-342900" algn="l">
-              <a:buFont typeface="+mj-lt"/>
-              <a:buAutoNum type="arabicPeriod"/>
-            </a:pPr>
-            <a:r>
-              <a:rPr lang="en-US" altLang="zh-CN" sz="1400" dirty="0" err="1"/>
-              <a:t>Streamreader</a:t>
-            </a:r>
-            <a:r>
-              <a:rPr lang="en-US" altLang="zh-CN" sz="1400" dirty="0"/>
-              <a:t> class</a:t>
-            </a:r>
-          </a:p>
-          <a:p>
-            <a:pPr marL="800100" lvl="1" indent="-342900" algn="l">
-              <a:buFont typeface="+mj-lt"/>
-              <a:buAutoNum type="arabicPeriod"/>
-            </a:pPr>
-            <a:r>
-              <a:rPr lang="en-US" altLang="zh-CN" sz="1400" dirty="0" err="1"/>
-              <a:t>Streamwriter</a:t>
-            </a:r>
-            <a:r>
-              <a:rPr lang="en-US" altLang="zh-CN" sz="1400" dirty="0"/>
-              <a:t> class</a:t>
+              <a:t>Implementing “Dispose”</a:t>
             </a:r>
           </a:p>
           <a:p>
@@ -5866,7 +6042,7 @@
             </a:pPr>
             <a:r>
               <a:rPr lang="en-US" altLang="zh-CN" dirty="0"/>
-              <a:t>Error Handling</a:t>
+              <a:t>Struct &amp; Generics</a:t>
             </a:r>
           </a:p>
           <a:p>
@@ -5875,8 +6051,12 @@
               <a:buChar char="•"/>
             </a:pPr>
             <a:r>
+              <a:rPr lang="en-US" altLang="zh-CN" dirty="0" err="1"/>
+              <a:t>xUnit</a:t>
+            </a:r>
+            <a:r>
               <a:rPr lang="en-US" altLang="zh-CN" dirty="0"/>
-              <a:t>OOP Basics</a:t>
+              <a:t> &amp; Automated Testing</a:t>
             </a:r>
           </a:p>
           <a:p>
@@ -5886,7 +6066,7 @@
             </a:pPr>
             <a:r>
               <a:rPr lang="en-US" altLang="zh-CN" sz="1400" dirty="0"/>
-              <a:t>Inheritance</a:t>
+              <a:t>Fact</a:t>
             </a:r>
           </a:p>
           <a:p>
@@ -5896,17 +6076,7 @@
             </a:pPr>
             <a:r>
               <a:rPr lang="en-US" altLang="zh-CN" sz="1400" dirty="0"/>
-              <a:t>Encapsulation</a:t>
-            </a:r>
-          </a:p>
-          <a:p>
-            <a:pPr marL="800100" lvl="1" indent="-342900" algn="l">
-              <a:buFont typeface="+mj-lt"/>
-              <a:buAutoNum type="arabicPeriod"/>
-            </a:pPr>
-            <a:r>
-              <a:rPr lang="en-US" altLang="zh-CN" sz="1400" dirty="0"/>
-              <a:t>Polymorphism</a:t>
+              <a:t>Theory</a:t>
             </a:r>
           </a:p>
           <a:p>
@@ -5919,7 +6089,7 @@
               </a:spcAft>
               <a:buNone/>
             </a:pPr>
-            <a:endParaRPr dirty="0"/>
+            <a:endParaRPr lang="en-US" dirty="0"/>
           </a:p>
         </p:txBody>
       </p:sp>
@@ -5998,36 +6168,6 @@
           <a:chExt cx="0" cy="0"/>
         </a:xfrm>
       </p:grpSpPr>
-      <p:pic>
-        <p:nvPicPr>
-          <p:cNvPr id="2" name="图片 1">
-            <a:extLst>
-              <a:ext uri="{FF2B5EF4-FFF2-40B4-BE49-F238E27FC236}">
-                <a16:creationId xmlns:a16="http://schemas.microsoft.com/office/drawing/2014/main" id="{7D6DF29C-AD15-4A3D-8549-553FEA27FA00}"/>
-              </a:ext>
-            </a:extLst>
-          </p:cNvPr>
-          <p:cNvPicPr>
-            <a:picLocks noChangeAspect="1"/>
-          </p:cNvPicPr>
-          <p:nvPr/>
-        </p:nvPicPr>
-        <p:blipFill>
-          <a:blip r:embed="rId3"/>
-          <a:stretch>
-            <a:fillRect/>
-          </a:stretch>
-        </p:blipFill>
-        <p:spPr>
-          <a:xfrm>
-            <a:off x="3525677" y="406867"/>
-            <a:ext cx="2942235" cy="2902814"/>
-          </a:xfrm>
-          <a:prstGeom prst="rect">
-            <a:avLst/>
-          </a:prstGeom>
-        </p:spPr>
-      </p:pic>
       <p:sp>
         <p:nvSpPr>
           <p:cNvPr id="138" name="Google Shape;138;p20"/>
@@ -6040,8 +6180,8 @@
         </p:nvSpPr>
         <p:spPr>
           <a:xfrm>
-            <a:off x="669099" y="2650150"/>
-            <a:ext cx="5251500" cy="1159800"/>
+            <a:off x="1428533" y="3294947"/>
+            <a:ext cx="5618450" cy="374082"/>
           </a:xfrm>
           <a:prstGeom prst="rect">
             <a:avLst/>
@@ -6063,24 +6203,43 @@
               <a:buNone/>
             </a:pPr>
             <a:r>
-              <a:rPr lang="en-US" sz="6000" dirty="0"/>
-              <a:t>VARIABLE</a:t>
-            </a:r>
-            <a:r>
               <a:rPr lang="en" sz="6000" dirty="0"/>
               <a:t> </a:t>
             </a:r>
             <a:r>
-              <a:rPr lang="en-US" sz="6000" dirty="0">
+              <a:rPr lang="en-US" sz="6000" dirty="0" err="1">
                 <a:solidFill>
                   <a:srgbClr val="F44336"/>
                 </a:solidFill>
               </a:rPr>
-              <a:t>NAMING</a:t>
+              <a:t>L</a:t>
+            </a:r>
+            <a:r>
+              <a:rPr lang="en-US" altLang="zh-CN" sz="6000" dirty="0" err="1">
+                <a:solidFill>
+                  <a:srgbClr val="F44336"/>
+                </a:solidFill>
+              </a:rPr>
+              <a:t>inq</a:t>
+            </a:r>
+            <a:br>
+              <a:rPr lang="en-US" altLang="zh-CN" sz="6000" dirty="0">
+                <a:solidFill>
+                  <a:srgbClr val="F44336"/>
+                </a:solidFill>
+              </a:rPr>
+            </a:br>
+            <a:r>
+              <a:rPr lang="en-US" altLang="zh-CN" sz="6000" dirty="0">
+                <a:solidFill>
+                  <a:schemeClr val="bg2"/>
+                </a:solidFill>
+              </a:rPr>
+              <a:t>Query Operation</a:t>
             </a:r>
             <a:endParaRPr sz="6000" dirty="0">
               <a:solidFill>
-                <a:srgbClr val="F44336"/>
+                <a:schemeClr val="bg2"/>
               </a:solidFill>
             </a:endParaRPr>
           </a:p>
@@ -6116,7 +6275,7 @@
             </a:pPr>
             <a:r>
               <a:rPr lang="en-US" dirty="0"/>
-              <a:t>There are some useful advices for “Code Monkeys” regarding to variable naming.</a:t>
+              <a:t>.</a:t>
             </a:r>
             <a:endParaRPr dirty="0"/>
           </a:p>
@@ -6955,11 +7114,655 @@
           </a:p>
         </p:txBody>
       </p:sp>
+      <p:pic>
+        <p:nvPicPr>
+          <p:cNvPr id="5" name="图片 4">
+            <a:extLst>
+              <a:ext uri="{FF2B5EF4-FFF2-40B4-BE49-F238E27FC236}">
+                <a16:creationId xmlns:a16="http://schemas.microsoft.com/office/drawing/2014/main" id="{B07C2E67-21E0-4617-86A1-6F8426B0064E}"/>
+              </a:ext>
+            </a:extLst>
+          </p:cNvPr>
+          <p:cNvPicPr>
+            <a:picLocks noChangeAspect="1"/>
+          </p:cNvPicPr>
+          <p:nvPr/>
+        </p:nvPicPr>
+        <p:blipFill>
+          <a:blip r:embed="rId3"/>
+          <a:stretch>
+            <a:fillRect/>
+          </a:stretch>
+        </p:blipFill>
+        <p:spPr>
+          <a:xfrm>
+            <a:off x="1428533" y="1521798"/>
+            <a:ext cx="5524759" cy="2956348"/>
+          </a:xfrm>
+          <a:prstGeom prst="rect">
+            <a:avLst/>
+          </a:prstGeom>
+        </p:spPr>
+      </p:pic>
+      <p:sp>
+        <p:nvSpPr>
+          <p:cNvPr id="13" name="文本框 12">
+            <a:extLst>
+              <a:ext uri="{FF2B5EF4-FFF2-40B4-BE49-F238E27FC236}">
+                <a16:creationId xmlns:a16="http://schemas.microsoft.com/office/drawing/2014/main" id="{B4F1B6F0-27E7-402C-81E4-B5AB46986F30}"/>
+              </a:ext>
+            </a:extLst>
+          </p:cNvPr>
+          <p:cNvSpPr txBox="1"/>
+          <p:nvPr/>
+        </p:nvSpPr>
+        <p:spPr>
+          <a:xfrm>
+            <a:off x="4613945" y="678997"/>
+            <a:ext cx="1468073" cy="307777"/>
+          </a:xfrm>
+          <a:prstGeom prst="rect">
+            <a:avLst/>
+          </a:prstGeom>
+          <a:noFill/>
+        </p:spPr>
+        <p:txBody>
+          <a:bodyPr wrap="square" rtlCol="0">
+            <a:spAutoFit/>
+          </a:bodyPr>
+          <a:lstStyle/>
+          <a:p>
+            <a:r>
+              <a:rPr lang="en-US" altLang="zh-CN" dirty="0">
+                <a:solidFill>
+                  <a:srgbClr val="FF0000"/>
+                </a:solidFill>
+              </a:rPr>
+              <a:t>.</a:t>
+            </a:r>
+            <a:endParaRPr lang="zh-CN" altLang="en-US" dirty="0">
+              <a:solidFill>
+                <a:srgbClr val="FF0000"/>
+              </a:solidFill>
+            </a:endParaRPr>
+          </a:p>
+        </p:txBody>
+      </p:sp>
     </p:spTree>
   </p:cSld>
   <p:clrMapOvr>
     <a:masterClrMapping/>
   </p:clrMapOvr>
+  <p:timing>
+    <p:tnLst>
+      <p:par>
+        <p:cTn id="1" dur="indefinite" restart="never" nodeType="tmRoot">
+          <p:childTnLst>
+            <p:seq concurrent="1" nextAc="seek">
+              <p:cTn id="2" dur="indefinite" nodeType="mainSeq">
+                <p:childTnLst>
+                  <p:par>
+                    <p:cTn id="3" fill="hold">
+                      <p:stCondLst>
+                        <p:cond delay="indefinite"/>
+                      </p:stCondLst>
+                      <p:childTnLst>
+                        <p:par>
+                          <p:cTn id="4" fill="hold">
+                            <p:stCondLst>
+                              <p:cond delay="0"/>
+                            </p:stCondLst>
+                            <p:childTnLst>
+                              <p:par>
+                                <p:cTn id="5" presetID="26" presetClass="exit" presetSubtype="0" fill="hold" nodeType="clickEffect">
+                                  <p:stCondLst>
+                                    <p:cond delay="0"/>
+                                  </p:stCondLst>
+                                  <p:childTnLst>
+                                    <p:animEffect transition="out" filter="wipe(down)">
+                                      <p:cBhvr>
+                                        <p:cTn id="6" dur="180" accel="50000">
+                                          <p:stCondLst>
+                                            <p:cond delay="1820"/>
+                                          </p:stCondLst>
+                                        </p:cTn>
+                                        <p:tgtEl>
+                                          <p:spTgt spid="5"/>
+                                        </p:tgtEl>
+                                      </p:cBhvr>
+                                    </p:animEffect>
+                                    <p:anim calcmode="lin" valueType="num">
+                                      <p:cBhvr>
+                                        <p:cTn id="7" dur="1822" tmFilter="0,0; 0.14,0.31; 0.43,0.73; 0.71,0.91; 1.0,1.0">
+                                          <p:stCondLst>
+                                            <p:cond delay="0"/>
+                                          </p:stCondLst>
+                                        </p:cTn>
+                                        <p:tgtEl>
+                                          <p:spTgt spid="5"/>
+                                        </p:tgtEl>
+                                        <p:attrNameLst>
+                                          <p:attrName>ppt_x</p:attrName>
+                                        </p:attrNameLst>
+                                      </p:cBhvr>
+                                      <p:tavLst>
+                                        <p:tav tm="0">
+                                          <p:val>
+                                            <p:strVal val="ppt_x"/>
+                                          </p:val>
+                                        </p:tav>
+                                        <p:tav tm="100000">
+                                          <p:val>
+                                            <p:strVal val="#ppt_x+0.25"/>
+                                          </p:val>
+                                        </p:tav>
+                                      </p:tavLst>
+                                    </p:anim>
+                                    <p:anim calcmode="lin" valueType="num">
+                                      <p:cBhvr>
+                                        <p:cTn id="8" dur="178">
+                                          <p:stCondLst>
+                                            <p:cond delay="1822"/>
+                                          </p:stCondLst>
+                                        </p:cTn>
+                                        <p:tgtEl>
+                                          <p:spTgt spid="5"/>
+                                        </p:tgtEl>
+                                        <p:attrNameLst>
+                                          <p:attrName>ppt_x</p:attrName>
+                                        </p:attrNameLst>
+                                      </p:cBhvr>
+                                      <p:tavLst>
+                                        <p:tav tm="0">
+                                          <p:val>
+                                            <p:strVal val="ppt_x"/>
+                                          </p:val>
+                                        </p:tav>
+                                        <p:tav tm="100000">
+                                          <p:val>
+                                            <p:strVal val="ppt_x"/>
+                                          </p:val>
+                                        </p:tav>
+                                      </p:tavLst>
+                                    </p:anim>
+                                    <p:anim calcmode="lin" valueType="num">
+                                      <p:cBhvr>
+                                        <p:cTn id="9" dur="664" tmFilter="0.0,0.0;0.25,0.07;0.50,0.2;0.75,0.467;1.0,1.0">
+                                          <p:stCondLst>
+                                            <p:cond delay="0"/>
+                                          </p:stCondLst>
+                                        </p:cTn>
+                                        <p:tgtEl>
+                                          <p:spTgt spid="5"/>
+                                        </p:tgtEl>
+                                        <p:attrNameLst>
+                                          <p:attrName>ppt_y</p:attrName>
+                                        </p:attrNameLst>
+                                      </p:cBhvr>
+                                      <p:tavLst>
+                                        <p:tav tm="0">
+                                          <p:val>
+                                            <p:strVal val="ppt_y"/>
+                                          </p:val>
+                                        </p:tav>
+                                        <p:tav tm="5000">
+                                          <p:val>
+                                            <p:strVal val="ppt_y+0.026"/>
+                                          </p:val>
+                                        </p:tav>
+                                        <p:tav tm="10000">
+                                          <p:val>
+                                            <p:strVal val="ppt_y+0.052"/>
+                                          </p:val>
+                                        </p:tav>
+                                        <p:tav tm="15000">
+                                          <p:val>
+                                            <p:strVal val="ppt_y+0.078"/>
+                                          </p:val>
+                                        </p:tav>
+                                        <p:tav tm="20000">
+                                          <p:val>
+                                            <p:strVal val="ppt_y+0.103"/>
+                                          </p:val>
+                                        </p:tav>
+                                        <p:tav tm="30000">
+                                          <p:val>
+                                            <p:strVal val="ppt_y+0.151"/>
+                                          </p:val>
+                                        </p:tav>
+                                        <p:tav tm="40000">
+                                          <p:val>
+                                            <p:strVal val="ppt_y+0.196"/>
+                                          </p:val>
+                                        </p:tav>
+                                        <p:tav tm="50000">
+                                          <p:val>
+                                            <p:strVal val="ppt_y+0.236"/>
+                                          </p:val>
+                                        </p:tav>
+                                        <p:tav tm="60000">
+                                          <p:val>
+                                            <p:strVal val="ppt_y+0.270"/>
+                                          </p:val>
+                                        </p:tav>
+                                        <p:tav tm="70000">
+                                          <p:val>
+                                            <p:strVal val="ppt_y+0.297"/>
+                                          </p:val>
+                                        </p:tav>
+                                        <p:tav tm="80000">
+                                          <p:val>
+                                            <p:strVal val="ppt_y+0.317"/>
+                                          </p:val>
+                                        </p:tav>
+                                        <p:tav tm="90000">
+                                          <p:val>
+                                            <p:strVal val="ppt_y+0.329"/>
+                                          </p:val>
+                                        </p:tav>
+                                        <p:tav tm="100000">
+                                          <p:val>
+                                            <p:strVal val="ppt_y+0.333"/>
+                                          </p:val>
+                                        </p:tav>
+                                      </p:tavLst>
+                                    </p:anim>
+                                    <p:anim calcmode="lin" valueType="num">
+                                      <p:cBhvr>
+                                        <p:cTn id="10" dur="664" tmFilter="0, 0; 0.125,0.2665; 0.25,0.4; 0.375,0.465; 0.5,0.5;  0.625,0.535; 0.75,0.6; 0.875,0.7335; 1,1">
+                                          <p:stCondLst>
+                                            <p:cond delay="664"/>
+                                          </p:stCondLst>
+                                        </p:cTn>
+                                        <p:tgtEl>
+                                          <p:spTgt spid="5"/>
+                                        </p:tgtEl>
+                                        <p:attrNameLst>
+                                          <p:attrName>ppt_y</p:attrName>
+                                        </p:attrNameLst>
+                                      </p:cBhvr>
+                                      <p:tavLst>
+                                        <p:tav tm="0">
+                                          <p:val>
+                                            <p:strVal val="ppt_y"/>
+                                          </p:val>
+                                        </p:tav>
+                                        <p:tav tm="10000">
+                                          <p:val>
+                                            <p:strVal val="ppt_y-0.034"/>
+                                          </p:val>
+                                        </p:tav>
+                                        <p:tav tm="20000">
+                                          <p:val>
+                                            <p:strVal val="ppt_y-0.065"/>
+                                          </p:val>
+                                        </p:tav>
+                                        <p:tav tm="30000">
+                                          <p:val>
+                                            <p:strVal val="ppt_y-0.090"/>
+                                          </p:val>
+                                        </p:tav>
+                                        <p:tav tm="40000">
+                                          <p:val>
+                                            <p:strVal val="ppt_y-0.106"/>
+                                          </p:val>
+                                        </p:tav>
+                                        <p:tav tm="50000">
+                                          <p:val>
+                                            <p:strVal val="ppt_y-0.111"/>
+                                          </p:val>
+                                        </p:tav>
+                                        <p:tav tm="60000">
+                                          <p:val>
+                                            <p:strVal val="ppt_y-0.106"/>
+                                          </p:val>
+                                        </p:tav>
+                                        <p:tav tm="70000">
+                                          <p:val>
+                                            <p:strVal val="ppt_y-0.090"/>
+                                          </p:val>
+                                        </p:tav>
+                                        <p:tav tm="80000">
+                                          <p:val>
+                                            <p:strVal val="ppt_y-0.065"/>
+                                          </p:val>
+                                        </p:tav>
+                                        <p:tav tm="90000">
+                                          <p:val>
+                                            <p:strVal val="ppt_y-0.034"/>
+                                          </p:val>
+                                        </p:tav>
+                                        <p:tav tm="100000">
+                                          <p:val>
+                                            <p:strVal val="ppt_y"/>
+                                          </p:val>
+                                        </p:tav>
+                                      </p:tavLst>
+                                    </p:anim>
+                                    <p:anim calcmode="lin" valueType="num">
+                                      <p:cBhvr>
+                                        <p:cTn id="11" dur="332" tmFilter="0, 0; 0.125,0.2665; 0.25,0.4; 0.375,0.465; 0.5,0.5;  0.625,0.535; 0.75,0.6; 0.875,0.7335; 1,1">
+                                          <p:stCondLst>
+                                            <p:cond delay="1324"/>
+                                          </p:stCondLst>
+                                        </p:cTn>
+                                        <p:tgtEl>
+                                          <p:spTgt spid="5"/>
+                                        </p:tgtEl>
+                                        <p:attrNameLst>
+                                          <p:attrName>ppt_y</p:attrName>
+                                        </p:attrNameLst>
+                                      </p:cBhvr>
+                                      <p:tavLst>
+                                        <p:tav tm="0">
+                                          <p:val>
+                                            <p:strVal val="ppt_y"/>
+                                          </p:val>
+                                        </p:tav>
+                                        <p:tav tm="10000">
+                                          <p:val>
+                                            <p:strVal val="ppt_y-0.011"/>
+                                          </p:val>
+                                        </p:tav>
+                                        <p:tav tm="20000">
+                                          <p:val>
+                                            <p:strVal val="ppt_y-0.022"/>
+                                          </p:val>
+                                        </p:tav>
+                                        <p:tav tm="30000">
+                                          <p:val>
+                                            <p:strVal val="ppt_y-0.030"/>
+                                          </p:val>
+                                        </p:tav>
+                                        <p:tav tm="40000">
+                                          <p:val>
+                                            <p:strVal val="ppt_y-0.035"/>
+                                          </p:val>
+                                        </p:tav>
+                                        <p:tav tm="50000">
+                                          <p:val>
+                                            <p:strVal val="ppt_y-0.037"/>
+                                          </p:val>
+                                        </p:tav>
+                                        <p:tav tm="60000">
+                                          <p:val>
+                                            <p:strVal val="ppt_y-0.035"/>
+                                          </p:val>
+                                        </p:tav>
+                                        <p:tav tm="70000">
+                                          <p:val>
+                                            <p:strVal val="ppt_y-0.030"/>
+                                          </p:val>
+                                        </p:tav>
+                                        <p:tav tm="80000">
+                                          <p:val>
+                                            <p:strVal val="ppt_y-0.022"/>
+                                          </p:val>
+                                        </p:tav>
+                                        <p:tav tm="90000">
+                                          <p:val>
+                                            <p:strVal val="ppt_y-0.011"/>
+                                          </p:val>
+                                        </p:tav>
+                                        <p:tav tm="100000">
+                                          <p:val>
+                                            <p:strVal val="ppt_y"/>
+                                          </p:val>
+                                        </p:tav>
+                                      </p:tavLst>
+                                    </p:anim>
+                                    <p:anim calcmode="lin" valueType="num">
+                                      <p:cBhvr>
+                                        <p:cTn id="12" dur="164" tmFilter="0, 0; 0.125,0.2665; 0.25,0.4; 0.375,0.465; 0.5,0.5;  0.625,0.535; 0.75,0.6; 0.875,0.7335; 1,1">
+                                          <p:stCondLst>
+                                            <p:cond delay="1656"/>
+                                          </p:stCondLst>
+                                        </p:cTn>
+                                        <p:tgtEl>
+                                          <p:spTgt spid="5"/>
+                                        </p:tgtEl>
+                                        <p:attrNameLst>
+                                          <p:attrName>ppt_y</p:attrName>
+                                        </p:attrNameLst>
+                                      </p:cBhvr>
+                                      <p:tavLst>
+                                        <p:tav tm="0">
+                                          <p:val>
+                                            <p:strVal val="ppt_y"/>
+                                          </p:val>
+                                        </p:tav>
+                                        <p:tav tm="10000">
+                                          <p:val>
+                                            <p:strVal val="ppt_y-0.004"/>
+                                          </p:val>
+                                        </p:tav>
+                                        <p:tav tm="20000">
+                                          <p:val>
+                                            <p:strVal val="ppt_y-0.007"/>
+                                          </p:val>
+                                        </p:tav>
+                                        <p:tav tm="30000">
+                                          <p:val>
+                                            <p:strVal val="ppt_y-0.010"/>
+                                          </p:val>
+                                        </p:tav>
+                                        <p:tav tm="40000">
+                                          <p:val>
+                                            <p:strVal val="ppt_y-0.012"/>
+                                          </p:val>
+                                        </p:tav>
+                                        <p:tav tm="50000">
+                                          <p:val>
+                                            <p:strVal val="ppt_y-0.0123"/>
+                                          </p:val>
+                                        </p:tav>
+                                        <p:tav tm="60000">
+                                          <p:val>
+                                            <p:strVal val="ppt_y-0.012"/>
+                                          </p:val>
+                                        </p:tav>
+                                        <p:tav tm="70000">
+                                          <p:val>
+                                            <p:strVal val="ppt_y-0.010"/>
+                                          </p:val>
+                                        </p:tav>
+                                        <p:tav tm="80000">
+                                          <p:val>
+                                            <p:strVal val="ppt_y-0.007"/>
+                                          </p:val>
+                                        </p:tav>
+                                        <p:tav tm="90000">
+                                          <p:val>
+                                            <p:strVal val="ppt_y-0.004"/>
+                                          </p:val>
+                                        </p:tav>
+                                        <p:tav tm="100000">
+                                          <p:val>
+                                            <p:strVal val="ppt_y"/>
+                                          </p:val>
+                                        </p:tav>
+                                      </p:tavLst>
+                                    </p:anim>
+                                    <p:anim calcmode="lin" valueType="num">
+                                      <p:cBhvr>
+                                        <p:cTn id="13" dur="180" accel="50000">
+                                          <p:stCondLst>
+                                            <p:cond delay="1820"/>
+                                          </p:stCondLst>
+                                        </p:cTn>
+                                        <p:tgtEl>
+                                          <p:spTgt spid="5"/>
+                                        </p:tgtEl>
+                                        <p:attrNameLst>
+                                          <p:attrName>ppt_y</p:attrName>
+                                        </p:attrNameLst>
+                                      </p:cBhvr>
+                                      <p:tavLst>
+                                        <p:tav tm="0">
+                                          <p:val>
+                                            <p:strVal val="ppt_y"/>
+                                          </p:val>
+                                        </p:tav>
+                                        <p:tav tm="100000">
+                                          <p:val>
+                                            <p:strVal val="ppt_y+ppt_h"/>
+                                          </p:val>
+                                        </p:tav>
+                                      </p:tavLst>
+                                    </p:anim>
+                                    <p:animScale>
+                                      <p:cBhvr>
+                                        <p:cTn id="14" dur="26">
+                                          <p:stCondLst>
+                                            <p:cond delay="620"/>
+                                          </p:stCondLst>
+                                        </p:cTn>
+                                        <p:tgtEl>
+                                          <p:spTgt spid="5"/>
+                                        </p:tgtEl>
+                                      </p:cBhvr>
+                                      <p:to x="100000" y="60000"/>
+                                    </p:animScale>
+                                    <p:animScale>
+                                      <p:cBhvr>
+                                        <p:cTn id="15" dur="166" decel="50000">
+                                          <p:stCondLst>
+                                            <p:cond delay="646"/>
+                                          </p:stCondLst>
+                                        </p:cTn>
+                                        <p:tgtEl>
+                                          <p:spTgt spid="5"/>
+                                        </p:tgtEl>
+                                      </p:cBhvr>
+                                      <p:to x="100000" y="100000"/>
+                                    </p:animScale>
+                                    <p:animScale>
+                                      <p:cBhvr>
+                                        <p:cTn id="16" dur="26">
+                                          <p:stCondLst>
+                                            <p:cond delay="1312"/>
+                                          </p:stCondLst>
+                                        </p:cTn>
+                                        <p:tgtEl>
+                                          <p:spTgt spid="5"/>
+                                        </p:tgtEl>
+                                      </p:cBhvr>
+                                      <p:to x="100000" y="80000"/>
+                                    </p:animScale>
+                                    <p:animScale>
+                                      <p:cBhvr>
+                                        <p:cTn id="17" dur="166" decel="50000">
+                                          <p:stCondLst>
+                                            <p:cond delay="1338"/>
+                                          </p:stCondLst>
+                                        </p:cTn>
+                                        <p:tgtEl>
+                                          <p:spTgt spid="5"/>
+                                        </p:tgtEl>
+                                      </p:cBhvr>
+                                      <p:to x="100000" y="100000"/>
+                                    </p:animScale>
+                                    <p:animScale>
+                                      <p:cBhvr>
+                                        <p:cTn id="18" dur="26">
+                                          <p:stCondLst>
+                                            <p:cond delay="1642"/>
+                                          </p:stCondLst>
+                                        </p:cTn>
+                                        <p:tgtEl>
+                                          <p:spTgt spid="5"/>
+                                        </p:tgtEl>
+                                      </p:cBhvr>
+                                      <p:to x="100000" y="90000"/>
+                                    </p:animScale>
+                                    <p:animScale>
+                                      <p:cBhvr>
+                                        <p:cTn id="19" dur="166" decel="50000">
+                                          <p:stCondLst>
+                                            <p:cond delay="1668"/>
+                                          </p:stCondLst>
+                                        </p:cTn>
+                                        <p:tgtEl>
+                                          <p:spTgt spid="5"/>
+                                        </p:tgtEl>
+                                      </p:cBhvr>
+                                      <p:to x="100000" y="100000"/>
+                                    </p:animScale>
+                                    <p:animScale>
+                                      <p:cBhvr>
+                                        <p:cTn id="20" dur="26">
+                                          <p:stCondLst>
+                                            <p:cond delay="1808"/>
+                                          </p:stCondLst>
+                                        </p:cTn>
+                                        <p:tgtEl>
+                                          <p:spTgt spid="5"/>
+                                        </p:tgtEl>
+                                      </p:cBhvr>
+                                      <p:to x="100000" y="95000"/>
+                                    </p:animScale>
+                                    <p:animScale>
+                                      <p:cBhvr>
+                                        <p:cTn id="21" dur="166" decel="50000">
+                                          <p:stCondLst>
+                                            <p:cond delay="1834"/>
+                                          </p:stCondLst>
+                                        </p:cTn>
+                                        <p:tgtEl>
+                                          <p:spTgt spid="5"/>
+                                        </p:tgtEl>
+                                      </p:cBhvr>
+                                      <p:to x="100000" y="100000"/>
+                                    </p:animScale>
+                                    <p:set>
+                                      <p:cBhvr>
+                                        <p:cTn id="22" dur="1" fill="hold">
+                                          <p:stCondLst>
+                                            <p:cond delay="1999"/>
+                                          </p:stCondLst>
+                                        </p:cTn>
+                                        <p:tgtEl>
+                                          <p:spTgt spid="5"/>
+                                        </p:tgtEl>
+                                        <p:attrNameLst>
+                                          <p:attrName>style.visibility</p:attrName>
+                                        </p:attrNameLst>
+                                      </p:cBhvr>
+                                      <p:to>
+                                        <p:strVal val="hidden"/>
+                                      </p:to>
+                                    </p:set>
+                                  </p:childTnLst>
+                                </p:cTn>
+                              </p:par>
+                            </p:childTnLst>
+                          </p:cTn>
+                        </p:par>
+                      </p:childTnLst>
+                    </p:cTn>
+                  </p:par>
+                </p:childTnLst>
+              </p:cTn>
+              <p:prevCondLst>
+                <p:cond evt="onPrev" delay="0">
+                  <p:tgtEl>
+                    <p:sldTgt/>
+                  </p:tgtEl>
+                </p:cond>
+              </p:prevCondLst>
+              <p:nextCondLst>
+                <p:cond evt="onNext" delay="0">
+                  <p:tgtEl>
+                    <p:sldTgt/>
+                  </p:tgtEl>
+                </p:cond>
+              </p:nextCondLst>
+            </p:seq>
+          </p:childTnLst>
+        </p:cTn>
+      </p:par>
+    </p:tnLst>
+  </p:timing>
 </p:sld>
 </file>
 
@@ -6988,36 +7791,6 @@
           <a:chExt cx="0" cy="0"/>
         </a:xfrm>
       </p:grpSpPr>
-      <p:pic>
-        <p:nvPicPr>
-          <p:cNvPr id="2" name="图片 1">
-            <a:extLst>
-              <a:ext uri="{FF2B5EF4-FFF2-40B4-BE49-F238E27FC236}">
-                <a16:creationId xmlns:a16="http://schemas.microsoft.com/office/drawing/2014/main" id="{90BC41A2-57F9-413D-9F55-F525FA1022D6}"/>
-              </a:ext>
-            </a:extLst>
-          </p:cNvPr>
-          <p:cNvPicPr>
-            <a:picLocks noChangeAspect="1"/>
-          </p:cNvPicPr>
-          <p:nvPr/>
-        </p:nvPicPr>
-        <p:blipFill>
-          <a:blip r:embed="rId3"/>
-          <a:stretch>
-            <a:fillRect/>
-          </a:stretch>
-        </p:blipFill>
-        <p:spPr>
-          <a:xfrm>
-            <a:off x="841000" y="654550"/>
-            <a:ext cx="3581400" cy="647700"/>
-          </a:xfrm>
-          <a:prstGeom prst="rect">
-            <a:avLst/>
-          </a:prstGeom>
-        </p:spPr>
-      </p:pic>
       <p:sp>
         <p:nvSpPr>
           <p:cNvPr id="90" name="Google Shape;90;p15"/>
@@ -7026,7 +7799,7 @@
         </p:nvSpPr>
         <p:spPr>
           <a:xfrm>
-            <a:off x="841000" y="1302250"/>
+            <a:off x="1071697" y="1540455"/>
             <a:ext cx="2709900" cy="2787900"/>
           </a:xfrm>
           <a:prstGeom prst="rect">
@@ -7074,178 +7847,6 @@
               </a:spcBef>
               <a:spcAft>
                 <a:spcPts val="0"/>
-              </a:spcAft>
-              <a:buNone/>
-            </a:pPr>
-            <a:endParaRPr sz="1100" dirty="0">
-              <a:solidFill>
-                <a:srgbClr val="666666"/>
-              </a:solidFill>
-              <a:latin typeface="Karla"/>
-              <a:ea typeface="Karla"/>
-              <a:cs typeface="Karla"/>
-              <a:sym typeface="Karla"/>
-            </a:endParaRPr>
-          </a:p>
-        </p:txBody>
-      </p:sp>
-      <p:sp>
-        <p:nvSpPr>
-          <p:cNvPr id="91" name="Google Shape;91;p15"/>
-          <p:cNvSpPr txBox="1"/>
-          <p:nvPr/>
-        </p:nvSpPr>
-        <p:spPr>
-          <a:xfrm>
-            <a:off x="1140896" y="354294"/>
-            <a:ext cx="2828400" cy="2787900"/>
-          </a:xfrm>
-          <a:prstGeom prst="rect">
-            <a:avLst/>
-          </a:prstGeom>
-          <a:noFill/>
-          <a:ln>
-            <a:noFill/>
-          </a:ln>
-        </p:spPr>
-        <p:txBody>
-          <a:bodyPr spcFirstLastPara="1" wrap="square" lIns="91425" tIns="91425" rIns="91425" bIns="91425" anchor="t" anchorCtr="0">
-            <a:noAutofit/>
-          </a:bodyPr>
-          <a:lstStyle/>
-          <a:p>
-            <a:pPr marL="0" lvl="0" indent="0" algn="l" rtl="0">
-              <a:spcBef>
-                <a:spcPts val="600"/>
-              </a:spcBef>
-              <a:spcAft>
-                <a:spcPts val="0"/>
-              </a:spcAft>
-              <a:buNone/>
-            </a:pPr>
-            <a:endParaRPr sz="1100" dirty="0">
-              <a:solidFill>
-                <a:srgbClr val="666666"/>
-              </a:solidFill>
-              <a:latin typeface="Karla"/>
-              <a:ea typeface="Karla"/>
-              <a:cs typeface="Karla"/>
-              <a:sym typeface="Karla"/>
-            </a:endParaRPr>
-          </a:p>
-        </p:txBody>
-      </p:sp>
-      <p:sp>
-        <p:nvSpPr>
-          <p:cNvPr id="92" name="Google Shape;92;p15"/>
-          <p:cNvSpPr txBox="1"/>
-          <p:nvPr/>
-        </p:nvSpPr>
-        <p:spPr>
-          <a:xfrm>
-            <a:off x="167350" y="3501855"/>
-            <a:ext cx="6767100" cy="826500"/>
-          </a:xfrm>
-          <a:prstGeom prst="rect">
-            <a:avLst/>
-          </a:prstGeom>
-          <a:noFill/>
-          <a:ln>
-            <a:noFill/>
-          </a:ln>
-        </p:spPr>
-        <p:txBody>
-          <a:bodyPr spcFirstLastPara="1" wrap="square" lIns="91425" tIns="91425" rIns="91425" bIns="91425" anchor="t" anchorCtr="0">
-            <a:noAutofit/>
-          </a:bodyPr>
-          <a:lstStyle/>
-          <a:p>
-            <a:pPr marL="0" lvl="0" indent="0" algn="l" rtl="0">
-              <a:spcBef>
-                <a:spcPts val="1000"/>
-              </a:spcBef>
-              <a:spcAft>
-                <a:spcPts val="0"/>
-              </a:spcAft>
-              <a:buNone/>
-            </a:pPr>
-            <a:r>
-              <a:rPr lang="en-US" sz="2400" dirty="0">
-                <a:solidFill>
-                  <a:srgbClr val="666666"/>
-                </a:solidFill>
-                <a:latin typeface="Karla"/>
-                <a:ea typeface="Karla"/>
-                <a:cs typeface="Karla"/>
-                <a:sym typeface="Karla"/>
-              </a:rPr>
-              <a:t>Why not use </a:t>
-            </a:r>
-            <a:r>
-              <a:rPr lang="en-US" sz="2400" b="1" dirty="0">
-                <a:solidFill>
-                  <a:srgbClr val="FF0000"/>
-                </a:solidFill>
-                <a:latin typeface="Karla"/>
-                <a:ea typeface="Karla"/>
-                <a:cs typeface="Karla"/>
-                <a:sym typeface="Karla"/>
-              </a:rPr>
-              <a:t>source</a:t>
-            </a:r>
-            <a:r>
-              <a:rPr lang="en-US" sz="2400" dirty="0">
-                <a:solidFill>
-                  <a:srgbClr val="666666"/>
-                </a:solidFill>
-                <a:latin typeface="Karla"/>
-                <a:ea typeface="Karla"/>
-                <a:cs typeface="Karla"/>
-                <a:sym typeface="Karla"/>
-              </a:rPr>
-              <a:t> and </a:t>
-            </a:r>
-            <a:r>
-              <a:rPr lang="en-US" sz="2400" b="1" dirty="0">
-                <a:solidFill>
-                  <a:srgbClr val="FF0000"/>
-                </a:solidFill>
-                <a:latin typeface="Karla"/>
-                <a:ea typeface="Karla"/>
-                <a:cs typeface="Karla"/>
-                <a:sym typeface="Karla"/>
-              </a:rPr>
-              <a:t>destination</a:t>
-            </a:r>
-            <a:r>
-              <a:rPr lang="en-US" sz="2400" dirty="0">
-                <a:solidFill>
-                  <a:srgbClr val="666666"/>
-                </a:solidFill>
-                <a:latin typeface="Karla"/>
-                <a:ea typeface="Karla"/>
-                <a:cs typeface="Karla"/>
-                <a:sym typeface="Karla"/>
-              </a:rPr>
-              <a:t>?</a:t>
-            </a:r>
-            <a:endParaRPr sz="2400" dirty="0">
-              <a:solidFill>
-                <a:srgbClr val="666666"/>
-              </a:solidFill>
-              <a:latin typeface="Karla"/>
-              <a:ea typeface="Karla"/>
-              <a:cs typeface="Karla"/>
-              <a:sym typeface="Karla"/>
-            </a:endParaRPr>
-          </a:p>
-          <a:p>
-            <a:pPr marL="0" lvl="0" indent="0" algn="l" rtl="0">
-              <a:spcBef>
-                <a:spcPts val="1000"/>
-              </a:spcBef>
-              <a:spcAft>
-                <a:spcPts val="1000"/>
               </a:spcAft>
               <a:buNone/>
             </a:pPr>
@@ -7303,36 +7904,423 @@
           </a:p>
         </p:txBody>
       </p:sp>
-      <p:pic>
-        <p:nvPicPr>
-          <p:cNvPr id="3" name="图片 2">
+      <p:sp>
+        <p:nvSpPr>
+          <p:cNvPr id="9" name="Google Shape;111;p17">
             <a:extLst>
               <a:ext uri="{FF2B5EF4-FFF2-40B4-BE49-F238E27FC236}">
-                <a16:creationId xmlns:a16="http://schemas.microsoft.com/office/drawing/2014/main" id="{E5E88660-F803-4EB7-9823-B8D0471817F5}"/>
+                <a16:creationId xmlns:a16="http://schemas.microsoft.com/office/drawing/2014/main" id="{D98445EC-64E1-44A0-93AF-B00778AA2DC1}"/>
               </a:ext>
             </a:extLst>
           </p:cNvPr>
-          <p:cNvPicPr>
-            <a:picLocks noChangeAspect="1"/>
-          </p:cNvPicPr>
+          <p:cNvSpPr txBox="1">
+            <a:spLocks/>
+          </p:cNvSpPr>
           <p:nvPr/>
-        </p:nvPicPr>
-        <p:blipFill>
-          <a:blip r:embed="rId4"/>
-          <a:stretch>
-            <a:fillRect/>
-          </a:stretch>
-        </p:blipFill>
+        </p:nvSpPr>
         <p:spPr>
           <a:xfrm>
-            <a:off x="352613" y="1789588"/>
-            <a:ext cx="6335815" cy="1564324"/>
+            <a:off x="1484852" y="815145"/>
+            <a:ext cx="5408551" cy="2143459"/>
           </a:xfrm>
           <a:prstGeom prst="rect">
             <a:avLst/>
           </a:prstGeom>
+          <a:noFill/>
+          <a:ln>
+            <a:noFill/>
+          </a:ln>
         </p:spPr>
-      </p:pic>
+        <p:txBody>
+          <a:bodyPr spcFirstLastPara="1" wrap="square" lIns="91425" tIns="91425" rIns="91425" bIns="91425" anchor="b" anchorCtr="0">
+            <a:noAutofit/>
+          </a:bodyPr>
+          <a:lstStyle>
+            <a:defPPr marR="0" lvl="0" algn="l" rtl="0">
+              <a:lnSpc>
+                <a:spcPct val="100000"/>
+              </a:lnSpc>
+              <a:spcBef>
+                <a:spcPts val="0"/>
+              </a:spcBef>
+              <a:spcAft>
+                <a:spcPts val="0"/>
+              </a:spcAft>
+            </a:defPPr>
+            <a:lvl1pPr marR="0" lvl="0" algn="l" rtl="0">
+              <a:lnSpc>
+                <a:spcPct val="100000"/>
+              </a:lnSpc>
+              <a:spcBef>
+                <a:spcPts val="0"/>
+              </a:spcBef>
+              <a:spcAft>
+                <a:spcPts val="0"/>
+              </a:spcAft>
+              <a:buClr>
+                <a:srgbClr val="999999"/>
+              </a:buClr>
+              <a:buSzPts val="2400"/>
+              <a:buFont typeface="Montserrat"/>
+              <a:buNone/>
+              <a:defRPr sz="2400" b="1" i="0" u="none" strike="noStrike" cap="none">
+                <a:solidFill>
+                  <a:srgbClr val="999999"/>
+                </a:solidFill>
+                <a:latin typeface="Montserrat"/>
+                <a:ea typeface="Montserrat"/>
+                <a:cs typeface="Montserrat"/>
+                <a:sym typeface="Montserrat"/>
+              </a:defRPr>
+            </a:lvl1pPr>
+            <a:lvl2pPr marR="0" lvl="1" algn="l" rtl="0">
+              <a:lnSpc>
+                <a:spcPct val="100000"/>
+              </a:lnSpc>
+              <a:spcBef>
+                <a:spcPts val="0"/>
+              </a:spcBef>
+              <a:spcAft>
+                <a:spcPts val="0"/>
+              </a:spcAft>
+              <a:buClr>
+                <a:srgbClr val="999999"/>
+              </a:buClr>
+              <a:buSzPts val="2400"/>
+              <a:buFont typeface="Montserrat"/>
+              <a:buNone/>
+              <a:defRPr sz="2400" b="1" i="0" u="none" strike="noStrike" cap="none">
+                <a:solidFill>
+                  <a:srgbClr val="999999"/>
+                </a:solidFill>
+                <a:latin typeface="Montserrat"/>
+                <a:ea typeface="Montserrat"/>
+                <a:cs typeface="Montserrat"/>
+                <a:sym typeface="Montserrat"/>
+              </a:defRPr>
+            </a:lvl2pPr>
+            <a:lvl3pPr marR="0" lvl="2" algn="l" rtl="0">
+              <a:lnSpc>
+                <a:spcPct val="100000"/>
+              </a:lnSpc>
+              <a:spcBef>
+                <a:spcPts val="0"/>
+              </a:spcBef>
+              <a:spcAft>
+                <a:spcPts val="0"/>
+              </a:spcAft>
+              <a:buClr>
+                <a:srgbClr val="999999"/>
+              </a:buClr>
+              <a:buSzPts val="2400"/>
+              <a:buFont typeface="Montserrat"/>
+              <a:buNone/>
+              <a:defRPr sz="2400" b="1" i="0" u="none" strike="noStrike" cap="none">
+                <a:solidFill>
+                  <a:srgbClr val="999999"/>
+                </a:solidFill>
+                <a:latin typeface="Montserrat"/>
+                <a:ea typeface="Montserrat"/>
+                <a:cs typeface="Montserrat"/>
+                <a:sym typeface="Montserrat"/>
+              </a:defRPr>
+            </a:lvl3pPr>
+            <a:lvl4pPr marR="0" lvl="3" algn="l" rtl="0">
+              <a:lnSpc>
+                <a:spcPct val="100000"/>
+              </a:lnSpc>
+              <a:spcBef>
+                <a:spcPts val="0"/>
+              </a:spcBef>
+              <a:spcAft>
+                <a:spcPts val="0"/>
+              </a:spcAft>
+              <a:buClr>
+                <a:srgbClr val="999999"/>
+              </a:buClr>
+              <a:buSzPts val="2400"/>
+              <a:buFont typeface="Montserrat"/>
+              <a:buNone/>
+              <a:defRPr sz="2400" b="1" i="0" u="none" strike="noStrike" cap="none">
+                <a:solidFill>
+                  <a:srgbClr val="999999"/>
+                </a:solidFill>
+                <a:latin typeface="Montserrat"/>
+                <a:ea typeface="Montserrat"/>
+                <a:cs typeface="Montserrat"/>
+                <a:sym typeface="Montserrat"/>
+              </a:defRPr>
+            </a:lvl4pPr>
+            <a:lvl5pPr marR="0" lvl="4" algn="l" rtl="0">
+              <a:lnSpc>
+                <a:spcPct val="100000"/>
+              </a:lnSpc>
+              <a:spcBef>
+                <a:spcPts val="0"/>
+              </a:spcBef>
+              <a:spcAft>
+                <a:spcPts val="0"/>
+              </a:spcAft>
+              <a:buClr>
+                <a:srgbClr val="999999"/>
+              </a:buClr>
+              <a:buSzPts val="2400"/>
+              <a:buFont typeface="Montserrat"/>
+              <a:buNone/>
+              <a:defRPr sz="2400" b="1" i="0" u="none" strike="noStrike" cap="none">
+                <a:solidFill>
+                  <a:srgbClr val="999999"/>
+                </a:solidFill>
+                <a:latin typeface="Montserrat"/>
+                <a:ea typeface="Montserrat"/>
+                <a:cs typeface="Montserrat"/>
+                <a:sym typeface="Montserrat"/>
+              </a:defRPr>
+            </a:lvl5pPr>
+            <a:lvl6pPr marR="0" lvl="5" algn="l" rtl="0">
+              <a:lnSpc>
+                <a:spcPct val="100000"/>
+              </a:lnSpc>
+              <a:spcBef>
+                <a:spcPts val="0"/>
+              </a:spcBef>
+              <a:spcAft>
+                <a:spcPts val="0"/>
+              </a:spcAft>
+              <a:buClr>
+                <a:srgbClr val="999999"/>
+              </a:buClr>
+              <a:buSzPts val="2400"/>
+              <a:buFont typeface="Montserrat"/>
+              <a:buNone/>
+              <a:defRPr sz="2400" b="1" i="0" u="none" strike="noStrike" cap="none">
+                <a:solidFill>
+                  <a:srgbClr val="999999"/>
+                </a:solidFill>
+                <a:latin typeface="Montserrat"/>
+                <a:ea typeface="Montserrat"/>
+                <a:cs typeface="Montserrat"/>
+                <a:sym typeface="Montserrat"/>
+              </a:defRPr>
+            </a:lvl6pPr>
+            <a:lvl7pPr marR="0" lvl="6" algn="l" rtl="0">
+              <a:lnSpc>
+                <a:spcPct val="100000"/>
+              </a:lnSpc>
+              <a:spcBef>
+                <a:spcPts val="0"/>
+              </a:spcBef>
+              <a:spcAft>
+                <a:spcPts val="0"/>
+              </a:spcAft>
+              <a:buClr>
+                <a:srgbClr val="999999"/>
+              </a:buClr>
+              <a:buSzPts val="2400"/>
+              <a:buFont typeface="Montserrat"/>
+              <a:buNone/>
+              <a:defRPr sz="2400" b="1" i="0" u="none" strike="noStrike" cap="none">
+                <a:solidFill>
+                  <a:srgbClr val="999999"/>
+                </a:solidFill>
+                <a:latin typeface="Montserrat"/>
+                <a:ea typeface="Montserrat"/>
+                <a:cs typeface="Montserrat"/>
+                <a:sym typeface="Montserrat"/>
+              </a:defRPr>
+            </a:lvl7pPr>
+            <a:lvl8pPr marR="0" lvl="7" algn="l" rtl="0">
+              <a:lnSpc>
+                <a:spcPct val="100000"/>
+              </a:lnSpc>
+              <a:spcBef>
+                <a:spcPts val="0"/>
+              </a:spcBef>
+              <a:spcAft>
+                <a:spcPts val="0"/>
+              </a:spcAft>
+              <a:buClr>
+                <a:srgbClr val="999999"/>
+              </a:buClr>
+              <a:buSzPts val="2400"/>
+              <a:buFont typeface="Montserrat"/>
+              <a:buNone/>
+              <a:defRPr sz="2400" b="1" i="0" u="none" strike="noStrike" cap="none">
+                <a:solidFill>
+                  <a:srgbClr val="999999"/>
+                </a:solidFill>
+                <a:latin typeface="Montserrat"/>
+                <a:ea typeface="Montserrat"/>
+                <a:cs typeface="Montserrat"/>
+                <a:sym typeface="Montserrat"/>
+              </a:defRPr>
+            </a:lvl8pPr>
+            <a:lvl9pPr marR="0" lvl="8" algn="l" rtl="0">
+              <a:lnSpc>
+                <a:spcPct val="100000"/>
+              </a:lnSpc>
+              <a:spcBef>
+                <a:spcPts val="0"/>
+              </a:spcBef>
+              <a:spcAft>
+                <a:spcPts val="0"/>
+              </a:spcAft>
+              <a:buClr>
+                <a:srgbClr val="999999"/>
+              </a:buClr>
+              <a:buSzPts val="2400"/>
+              <a:buFont typeface="Montserrat"/>
+              <a:buNone/>
+              <a:defRPr sz="2400" b="1" i="0" u="none" strike="noStrike" cap="none">
+                <a:solidFill>
+                  <a:srgbClr val="999999"/>
+                </a:solidFill>
+                <a:latin typeface="Montserrat"/>
+                <a:ea typeface="Montserrat"/>
+                <a:cs typeface="Montserrat"/>
+                <a:sym typeface="Montserrat"/>
+              </a:defRPr>
+            </a:lvl9pPr>
+          </a:lstStyle>
+          <a:p>
+            <a:r>
+              <a:rPr lang="en" sz="7200" dirty="0">
+                <a:solidFill>
+                  <a:srgbClr val="FFC107"/>
+                </a:solidFill>
+              </a:rPr>
+              <a:t>?.</a:t>
+            </a:r>
+          </a:p>
+          <a:p>
+            <a:r>
+              <a:rPr lang="en-US" sz="4400" dirty="0"/>
+              <a:t>What is a </a:t>
+            </a:r>
+            <a:r>
+              <a:rPr lang="en-US" sz="4400" dirty="0">
+                <a:solidFill>
+                  <a:srgbClr val="FF0000"/>
+                </a:solidFill>
+              </a:rPr>
+              <a:t>Query</a:t>
+            </a:r>
+            <a:endParaRPr lang="en-US" dirty="0">
+              <a:solidFill>
+                <a:srgbClr val="FF0000"/>
+              </a:solidFill>
+            </a:endParaRPr>
+          </a:p>
+        </p:txBody>
+      </p:sp>
+      <p:sp>
+        <p:nvSpPr>
+          <p:cNvPr id="5" name="文本框 4">
+            <a:extLst>
+              <a:ext uri="{FF2B5EF4-FFF2-40B4-BE49-F238E27FC236}">
+                <a16:creationId xmlns:a16="http://schemas.microsoft.com/office/drawing/2014/main" id="{45AB00C6-07D3-458C-9314-452C32D7CF04}"/>
+              </a:ext>
+            </a:extLst>
+          </p:cNvPr>
+          <p:cNvSpPr txBox="1"/>
+          <p:nvPr/>
+        </p:nvSpPr>
+        <p:spPr>
+          <a:xfrm>
+            <a:off x="1484852" y="1744602"/>
+            <a:ext cx="5339591" cy="584775"/>
+          </a:xfrm>
+          <a:prstGeom prst="rect">
+            <a:avLst/>
+          </a:prstGeom>
+          <a:noFill/>
+        </p:spPr>
+        <p:txBody>
+          <a:bodyPr wrap="square" rtlCol="0">
+            <a:spAutoFit/>
+          </a:bodyPr>
+          <a:lstStyle/>
+          <a:p>
+            <a:r>
+              <a:rPr lang="en-US" altLang="zh-CN" sz="1600" dirty="0">
+                <a:solidFill>
+                  <a:schemeClr val="tx2">
+                    <a:lumMod val="50000"/>
+                  </a:schemeClr>
+                </a:solidFill>
+              </a:rPr>
+              <a:t>Relational Database -&gt; SQL(Structured Query Language)</a:t>
+            </a:r>
+          </a:p>
+          <a:p>
+            <a:r>
+              <a:rPr lang="en-US" altLang="zh-CN" sz="1600" dirty="0">
+                <a:solidFill>
+                  <a:schemeClr val="tx2">
+                    <a:lumMod val="50000"/>
+                  </a:schemeClr>
+                </a:solidFill>
+              </a:rPr>
+              <a:t>XML -&gt; XQuery</a:t>
+            </a:r>
+            <a:endParaRPr lang="zh-CN" altLang="en-US" sz="1600" dirty="0">
+              <a:solidFill>
+                <a:schemeClr val="tx2">
+                  <a:lumMod val="50000"/>
+                </a:schemeClr>
+              </a:solidFill>
+            </a:endParaRPr>
+          </a:p>
+        </p:txBody>
+      </p:sp>
+      <p:sp>
+        <p:nvSpPr>
+          <p:cNvPr id="6" name="文本框 5">
+            <a:extLst>
+              <a:ext uri="{FF2B5EF4-FFF2-40B4-BE49-F238E27FC236}">
+                <a16:creationId xmlns:a16="http://schemas.microsoft.com/office/drawing/2014/main" id="{C0F9FBED-02F2-498C-ADFA-369343024A4C}"/>
+              </a:ext>
+            </a:extLst>
+          </p:cNvPr>
+          <p:cNvSpPr txBox="1"/>
+          <p:nvPr/>
+        </p:nvSpPr>
+        <p:spPr>
+          <a:xfrm>
+            <a:off x="1451296" y="2533523"/>
+            <a:ext cx="5205271" cy="461665"/>
+          </a:xfrm>
+          <a:prstGeom prst="rect">
+            <a:avLst/>
+          </a:prstGeom>
+          <a:noFill/>
+        </p:spPr>
+        <p:txBody>
+          <a:bodyPr wrap="none" rtlCol="0">
+            <a:spAutoFit/>
+          </a:bodyPr>
+          <a:lstStyle/>
+          <a:p>
+            <a:r>
+              <a:rPr lang="en-US" altLang="zh-CN" sz="2400" dirty="0">
+                <a:solidFill>
+                  <a:schemeClr val="tx2">
+                    <a:lumMod val="50000"/>
+                  </a:schemeClr>
+                </a:solidFill>
+              </a:rPr>
+              <a:t>LINQ Query -&gt;  Various Data Source</a:t>
+            </a:r>
+            <a:endParaRPr lang="zh-CN" altLang="en-US" sz="2400" dirty="0">
+              <a:solidFill>
+                <a:schemeClr val="tx2">
+                  <a:lumMod val="50000"/>
+                </a:schemeClr>
+              </a:solidFill>
+            </a:endParaRPr>
+          </a:p>
+        </p:txBody>
+      </p:sp>
     </p:spTree>
   </p:cSld>
   <p:clrMapOvr>
@@ -7359,32 +8347,35 @@
                             </p:stCondLst>
                             <p:childTnLst>
                               <p:par>
-                                <p:cTn id="5" presetID="1" presetClass="entr" presetSubtype="0" fill="hold" grpId="0" nodeType="clickEffect" nodePh="1">
+                                <p:cTn id="5" presetID="22" presetClass="exit" presetSubtype="4" fill="hold" grpId="0" nodeType="clickEffect">
                                   <p:stCondLst>
                                     <p:cond delay="0"/>
                                   </p:stCondLst>
-                                  <p:endCondLst>
-                                    <p:cond evt="begin" delay="0">
-                                      <p:tn val="5"/>
-                                    </p:cond>
-                                  </p:endCondLst>
                                   <p:childTnLst>
+                                    <p:animEffect transition="out" filter="wipe(down)">
+                                      <p:cBhvr>
+                                        <p:cTn id="6" dur="500"/>
+                                        <p:tgtEl>
+                                          <p:spTgt spid="9"/>
+                                        </p:tgtEl>
+                                      </p:cBhvr>
+                                    </p:animEffect>
                                     <p:set>
                                       <p:cBhvr>
-                                        <p:cTn id="6" dur="1" fill="hold">
+                                        <p:cTn id="7" dur="1" fill="hold">
                                           <p:stCondLst>
-                                            <p:cond delay="0"/>
+                                            <p:cond delay="499"/>
                                           </p:stCondLst>
                                         </p:cTn>
                                         <p:tgtEl>
-                                          <p:spTgt spid="91"/>
+                                          <p:spTgt spid="9"/>
                                         </p:tgtEl>
                                         <p:attrNameLst>
                                           <p:attrName>style.visibility</p:attrName>
                                         </p:attrNameLst>
                                       </p:cBhvr>
                                       <p:to>
-                                        <p:strVal val="visible"/>
+                                        <p:strVal val="hidden"/>
                                       </p:to>
                                     </p:set>
                                   </p:childTnLst>
@@ -7397,32 +8388,32 @@
                     </p:cTn>
                   </p:par>
                   <p:par>
-                    <p:cTn id="7" fill="hold">
+                    <p:cTn id="8" fill="hold">
                       <p:stCondLst>
                         <p:cond delay="indefinite"/>
                       </p:stCondLst>
                       <p:childTnLst>
                         <p:par>
-                          <p:cTn id="8" fill="hold">
+                          <p:cTn id="9" fill="hold">
                             <p:stCondLst>
                               <p:cond delay="0"/>
                             </p:stCondLst>
                             <p:childTnLst>
                               <p:par>
-                                <p:cTn id="9" presetID="1" presetClass="entr" presetSubtype="0" fill="hold" nodeType="clickEffect">
+                                <p:cTn id="10" presetID="26" presetClass="entr" presetSubtype="0" fill="hold" grpId="0" nodeType="clickEffect">
                                   <p:stCondLst>
                                     <p:cond delay="0"/>
                                   </p:stCondLst>
                                   <p:childTnLst>
                                     <p:set>
                                       <p:cBhvr>
-                                        <p:cTn id="10" dur="1" fill="hold">
+                                        <p:cTn id="11" dur="1" fill="hold">
                                           <p:stCondLst>
                                             <p:cond delay="0"/>
                                           </p:stCondLst>
                                         </p:cTn>
                                         <p:tgtEl>
-                                          <p:spTgt spid="3"/>
+                                          <p:spTgt spid="5"/>
                                         </p:tgtEl>
                                         <p:attrNameLst>
                                           <p:attrName>style.visibility</p:attrName>
@@ -7432,6 +8423,257 @@
                                         <p:strVal val="visible"/>
                                       </p:to>
                                     </p:set>
+                                    <p:animEffect transition="in" filter="wipe(down)">
+                                      <p:cBhvr>
+                                        <p:cTn id="12" dur="580">
+                                          <p:stCondLst>
+                                            <p:cond delay="0"/>
+                                          </p:stCondLst>
+                                        </p:cTn>
+                                        <p:tgtEl>
+                                          <p:spTgt spid="5"/>
+                                        </p:tgtEl>
+                                      </p:cBhvr>
+                                    </p:animEffect>
+                                    <p:anim calcmode="lin" valueType="num">
+                                      <p:cBhvr>
+                                        <p:cTn id="13" dur="1822" tmFilter="0,0; 0.14,0.36; 0.43,0.73; 0.71,0.91; 1.0,1.0">
+                                          <p:stCondLst>
+                                            <p:cond delay="0"/>
+                                          </p:stCondLst>
+                                        </p:cTn>
+                                        <p:tgtEl>
+                                          <p:spTgt spid="5"/>
+                                        </p:tgtEl>
+                                        <p:attrNameLst>
+                                          <p:attrName>ppt_x</p:attrName>
+                                        </p:attrNameLst>
+                                      </p:cBhvr>
+                                      <p:tavLst>
+                                        <p:tav tm="0">
+                                          <p:val>
+                                            <p:strVal val="#ppt_x-0.25"/>
+                                          </p:val>
+                                        </p:tav>
+                                        <p:tav tm="100000">
+                                          <p:val>
+                                            <p:strVal val="#ppt_x"/>
+                                          </p:val>
+                                        </p:tav>
+                                      </p:tavLst>
+                                    </p:anim>
+                                    <p:anim calcmode="lin" valueType="num">
+                                      <p:cBhvr>
+                                        <p:cTn id="14" dur="664" tmFilter="0.0,0.0; 0.25,0.07; 0.50,0.2; 0.75,0.467; 1.0,1.0">
+                                          <p:stCondLst>
+                                            <p:cond delay="0"/>
+                                          </p:stCondLst>
+                                        </p:cTn>
+                                        <p:tgtEl>
+                                          <p:spTgt spid="5"/>
+                                        </p:tgtEl>
+                                        <p:attrNameLst>
+                                          <p:attrName>ppt_y</p:attrName>
+                                        </p:attrNameLst>
+                                      </p:cBhvr>
+                                      <p:tavLst>
+                                        <p:tav tm="0" fmla="#ppt_y-sin(pi*$)/3">
+                                          <p:val>
+                                            <p:fltVal val="0.5"/>
+                                          </p:val>
+                                        </p:tav>
+                                        <p:tav tm="100000">
+                                          <p:val>
+                                            <p:fltVal val="1"/>
+                                          </p:val>
+                                        </p:tav>
+                                      </p:tavLst>
+                                    </p:anim>
+                                    <p:anim calcmode="lin" valueType="num">
+                                      <p:cBhvr>
+                                        <p:cTn id="15" dur="664" tmFilter="0, 0; 0.125,0.2665; 0.25,0.4; 0.375,0.465; 0.5,0.5;  0.625,0.535; 0.75,0.6; 0.875,0.7335; 1,1">
+                                          <p:stCondLst>
+                                            <p:cond delay="664"/>
+                                          </p:stCondLst>
+                                        </p:cTn>
+                                        <p:tgtEl>
+                                          <p:spTgt spid="5"/>
+                                        </p:tgtEl>
+                                        <p:attrNameLst>
+                                          <p:attrName>ppt_y</p:attrName>
+                                        </p:attrNameLst>
+                                      </p:cBhvr>
+                                      <p:tavLst>
+                                        <p:tav tm="0" fmla="#ppt_y-sin(pi*$)/9">
+                                          <p:val>
+                                            <p:fltVal val="0"/>
+                                          </p:val>
+                                        </p:tav>
+                                        <p:tav tm="100000">
+                                          <p:val>
+                                            <p:fltVal val="1"/>
+                                          </p:val>
+                                        </p:tav>
+                                      </p:tavLst>
+                                    </p:anim>
+                                    <p:anim calcmode="lin" valueType="num">
+                                      <p:cBhvr>
+                                        <p:cTn id="16" dur="332" tmFilter="0, 0; 0.125,0.2665; 0.25,0.4; 0.375,0.465; 0.5,0.5;  0.625,0.535; 0.75,0.6; 0.875,0.7335; 1,1">
+                                          <p:stCondLst>
+                                            <p:cond delay="1324"/>
+                                          </p:stCondLst>
+                                        </p:cTn>
+                                        <p:tgtEl>
+                                          <p:spTgt spid="5"/>
+                                        </p:tgtEl>
+                                        <p:attrNameLst>
+                                          <p:attrName>ppt_y</p:attrName>
+                                        </p:attrNameLst>
+                                      </p:cBhvr>
+                                      <p:tavLst>
+                                        <p:tav tm="0" fmla="#ppt_y-sin(pi*$)/27">
+                                          <p:val>
+                                            <p:fltVal val="0"/>
+                                          </p:val>
+                                        </p:tav>
+                                        <p:tav tm="100000">
+                                          <p:val>
+                                            <p:fltVal val="1"/>
+                                          </p:val>
+                                        </p:tav>
+                                      </p:tavLst>
+                                    </p:anim>
+                                    <p:anim calcmode="lin" valueType="num">
+                                      <p:cBhvr>
+                                        <p:cTn id="17" dur="164" tmFilter="0, 0; 0.125,0.2665; 0.25,0.4; 0.375,0.465; 0.5,0.5;  0.625,0.535; 0.75,0.6; 0.875,0.7335; 1,1">
+                                          <p:stCondLst>
+                                            <p:cond delay="1656"/>
+                                          </p:stCondLst>
+                                        </p:cTn>
+                                        <p:tgtEl>
+                                          <p:spTgt spid="5"/>
+                                        </p:tgtEl>
+                                        <p:attrNameLst>
+                                          <p:attrName>ppt_y</p:attrName>
+                                        </p:attrNameLst>
+                                      </p:cBhvr>
+                                      <p:tavLst>
+                                        <p:tav tm="0" fmla="#ppt_y-sin(pi*$)/81">
+                                          <p:val>
+                                            <p:fltVal val="0"/>
+                                          </p:val>
+                                        </p:tav>
+                                        <p:tav tm="100000">
+                                          <p:val>
+                                            <p:fltVal val="1"/>
+                                          </p:val>
+                                        </p:tav>
+                                      </p:tavLst>
+                                    </p:anim>
+                                    <p:animScale>
+                                      <p:cBhvr>
+                                        <p:cTn id="18" dur="26">
+                                          <p:stCondLst>
+                                            <p:cond delay="650"/>
+                                          </p:stCondLst>
+                                        </p:cTn>
+                                        <p:tgtEl>
+                                          <p:spTgt spid="5"/>
+                                        </p:tgtEl>
+                                      </p:cBhvr>
+                                      <p:to x="100000" y="60000"/>
+                                    </p:animScale>
+                                    <p:animScale>
+                                      <p:cBhvr>
+                                        <p:cTn id="19" dur="166" decel="50000">
+                                          <p:stCondLst>
+                                            <p:cond delay="676"/>
+                                          </p:stCondLst>
+                                        </p:cTn>
+                                        <p:tgtEl>
+                                          <p:spTgt spid="5"/>
+                                        </p:tgtEl>
+                                      </p:cBhvr>
+                                      <p:to x="100000" y="100000"/>
+                                    </p:animScale>
+                                    <p:animScale>
+                                      <p:cBhvr>
+                                        <p:cTn id="20" dur="26">
+                                          <p:stCondLst>
+                                            <p:cond delay="1312"/>
+                                          </p:stCondLst>
+                                        </p:cTn>
+                                        <p:tgtEl>
+                                          <p:spTgt spid="5"/>
+                                        </p:tgtEl>
+                                      </p:cBhvr>
+                                      <p:to x="100000" y="80000"/>
+                                    </p:animScale>
+                                    <p:animScale>
+                                      <p:cBhvr>
+                                        <p:cTn id="21" dur="166" decel="50000">
+                                          <p:stCondLst>
+                                            <p:cond delay="1338"/>
+                                          </p:stCondLst>
+                                        </p:cTn>
+                                        <p:tgtEl>
+                                          <p:spTgt spid="5"/>
+                                        </p:tgtEl>
+                                      </p:cBhvr>
+                                      <p:to x="100000" y="100000"/>
+                                    </p:animScale>
+                                    <p:animScale>
+                                      <p:cBhvr>
+                                        <p:cTn id="22" dur="26">
+                                          <p:stCondLst>
+                                            <p:cond delay="1642"/>
+                                          </p:stCondLst>
+                                        </p:cTn>
+                                        <p:tgtEl>
+                                          <p:spTgt spid="5"/>
+                                        </p:tgtEl>
+                                      </p:cBhvr>
+                                      <p:to x="100000" y="90000"/>
+                                    </p:animScale>
+                                    <p:animScale>
+                                      <p:cBhvr>
+                                        <p:cTn id="23" dur="166" decel="50000">
+                                          <p:stCondLst>
+                                            <p:cond delay="1668"/>
+                                          </p:stCondLst>
+                                        </p:cTn>
+                                        <p:tgtEl>
+                                          <p:spTgt spid="5"/>
+                                        </p:tgtEl>
+                                      </p:cBhvr>
+                                      <p:to x="100000" y="100000"/>
+                                    </p:animScale>
+                                    <p:animScale>
+                                      <p:cBhvr>
+                                        <p:cTn id="24" dur="26">
+                                          <p:stCondLst>
+                                            <p:cond delay="1808"/>
+                                          </p:stCondLst>
+                                        </p:cTn>
+                                        <p:tgtEl>
+                                          <p:spTgt spid="5"/>
+                                        </p:tgtEl>
+                                      </p:cBhvr>
+                                      <p:to x="100000" y="95000"/>
+                                    </p:animScale>
+                                    <p:animScale>
+                                      <p:cBhvr>
+                                        <p:cTn id="25" dur="166" decel="50000">
+                                          <p:stCondLst>
+                                            <p:cond delay="1834"/>
+                                          </p:stCondLst>
+                                        </p:cTn>
+                                        <p:tgtEl>
+                                          <p:spTgt spid="5"/>
+                                        </p:tgtEl>
+                                      </p:cBhvr>
+                                      <p:to x="100000" y="100000"/>
+                                    </p:animScale>
                                   </p:childTnLst>
                                 </p:cTn>
                               </p:par>
@@ -7442,32 +8684,32 @@
                     </p:cTn>
                   </p:par>
                   <p:par>
-                    <p:cTn id="11" fill="hold">
+                    <p:cTn id="26" fill="hold">
                       <p:stCondLst>
                         <p:cond delay="indefinite"/>
                       </p:stCondLst>
                       <p:childTnLst>
                         <p:par>
-                          <p:cTn id="12" fill="hold">
+                          <p:cTn id="27" fill="hold">
                             <p:stCondLst>
                               <p:cond delay="0"/>
                             </p:stCondLst>
                             <p:childTnLst>
                               <p:par>
-                                <p:cTn id="13" presetID="1" presetClass="entr" presetSubtype="0" fill="hold" grpId="0" nodeType="clickEffect">
+                                <p:cTn id="28" presetID="2" presetClass="entr" presetSubtype="4" fill="hold" grpId="0" nodeType="clickEffect">
                                   <p:stCondLst>
                                     <p:cond delay="0"/>
                                   </p:stCondLst>
                                   <p:childTnLst>
                                     <p:set>
                                       <p:cBhvr>
-                                        <p:cTn id="14" dur="1" fill="hold">
+                                        <p:cTn id="29" dur="1" fill="hold">
                                           <p:stCondLst>
                                             <p:cond delay="0"/>
                                           </p:stCondLst>
                                         </p:cTn>
                                         <p:tgtEl>
-                                          <p:spTgt spid="92"/>
+                                          <p:spTgt spid="6"/>
                                         </p:tgtEl>
                                         <p:attrNameLst>
                                           <p:attrName>style.visibility</p:attrName>
@@ -7477,6 +8719,52 @@
                                         <p:strVal val="visible"/>
                                       </p:to>
                                     </p:set>
+                                    <p:anim calcmode="lin" valueType="num">
+                                      <p:cBhvr additive="base">
+                                        <p:cTn id="30" dur="500" fill="hold"/>
+                                        <p:tgtEl>
+                                          <p:spTgt spid="6"/>
+                                        </p:tgtEl>
+                                        <p:attrNameLst>
+                                          <p:attrName>ppt_x</p:attrName>
+                                        </p:attrNameLst>
+                                      </p:cBhvr>
+                                      <p:tavLst>
+                                        <p:tav tm="0">
+                                          <p:val>
+                                            <p:strVal val="#ppt_x"/>
+                                          </p:val>
+                                        </p:tav>
+                                        <p:tav tm="100000">
+                                          <p:val>
+                                            <p:strVal val="#ppt_x"/>
+                                          </p:val>
+                                        </p:tav>
+                                      </p:tavLst>
+                                    </p:anim>
+                                    <p:anim calcmode="lin" valueType="num">
+                                      <p:cBhvr additive="base">
+                                        <p:cTn id="31" dur="500" fill="hold"/>
+                                        <p:tgtEl>
+                                          <p:spTgt spid="6"/>
+                                        </p:tgtEl>
+                                        <p:attrNameLst>
+                                          <p:attrName>ppt_y</p:attrName>
+                                        </p:attrNameLst>
+                                      </p:cBhvr>
+                                      <p:tavLst>
+                                        <p:tav tm="0">
+                                          <p:val>
+                                            <p:strVal val="1+#ppt_h/2"/>
+                                          </p:val>
+                                        </p:tav>
+                                        <p:tav tm="100000">
+                                          <p:val>
+                                            <p:strVal val="#ppt_y"/>
+                                          </p:val>
+                                        </p:tav>
+                                      </p:tavLst>
+                                    </p:anim>
                                   </p:childTnLst>
                                 </p:cTn>
                               </p:par>
@@ -7508,8 +8796,9 @@
       </p:par>
     </p:tnLst>
     <p:bldLst>
-      <p:bldP spid="91" grpId="0"/>
-      <p:bldP spid="92" grpId="0"/>
+      <p:bldP spid="9" grpId="0"/>
+      <p:bldP spid="5" grpId="0"/>
+      <p:bldP spid="6" grpId="0"/>
     </p:bldLst>
   </p:timing>
 </p:sld>
@@ -7542,48 +8831,6 @@
       </p:grpSpPr>
       <p:sp>
         <p:nvSpPr>
-          <p:cNvPr id="99" name="Google Shape;99;p16"/>
-          <p:cNvSpPr txBox="1">
-            <a:spLocks noGrp="1"/>
-          </p:cNvSpPr>
-          <p:nvPr>
-            <p:ph type="subTitle" idx="4294967295"/>
-          </p:nvPr>
-        </p:nvSpPr>
-        <p:spPr>
-          <a:xfrm>
-            <a:off x="918245" y="2646604"/>
-            <a:ext cx="4531500" cy="784800"/>
-          </a:xfrm>
-          <a:prstGeom prst="rect">
-            <a:avLst/>
-          </a:prstGeom>
-        </p:spPr>
-        <p:txBody>
-          <a:bodyPr spcFirstLastPara="1" wrap="square" lIns="91425" tIns="91425" rIns="91425" bIns="91425" anchor="t" anchorCtr="0">
-            <a:noAutofit/>
-          </a:bodyPr>
-          <a:lstStyle/>
-          <a:p>
-            <a:pPr marL="0" lvl="0" indent="0" algn="l" rtl="0">
-              <a:spcBef>
-                <a:spcPts val="600"/>
-              </a:spcBef>
-              <a:spcAft>
-                <a:spcPts val="0"/>
-              </a:spcAft>
-              <a:buNone/>
-            </a:pPr>
-            <a:r>
-              <a:rPr lang="en-US" sz="2800" dirty="0"/>
-              <a:t>Use distinguishable names.</a:t>
-            </a:r>
-            <a:endParaRPr sz="2800" dirty="0"/>
-          </a:p>
-        </p:txBody>
-      </p:sp>
-      <p:sp>
-        <p:nvSpPr>
           <p:cNvPr id="106" name="Google Shape;106;p16"/>
           <p:cNvSpPr txBox="1">
             <a:spLocks noGrp="1"/>
@@ -7626,10 +8873,10 @@
       </p:sp>
       <p:pic>
         <p:nvPicPr>
-          <p:cNvPr id="3" name="图片 2">
+          <p:cNvPr id="2" name="图片 1">
             <a:extLst>
               <a:ext uri="{FF2B5EF4-FFF2-40B4-BE49-F238E27FC236}">
-                <a16:creationId xmlns:a16="http://schemas.microsoft.com/office/drawing/2014/main" id="{961BA6B3-9EA2-4F44-8CE1-0A7D842D3A9A}"/>
+                <a16:creationId xmlns:a16="http://schemas.microsoft.com/office/drawing/2014/main" id="{3ECAC1B5-BE67-454D-9057-F51F58C5426A}"/>
               </a:ext>
             </a:extLst>
           </p:cNvPr>
@@ -7646,14 +8893,109 @@
         </p:blipFill>
         <p:spPr>
           <a:xfrm>
-            <a:off x="918245" y="679945"/>
-            <a:ext cx="4648200" cy="1619250"/>
+            <a:off x="472492" y="1507789"/>
+            <a:ext cx="6546773" cy="2359535"/>
           </a:xfrm>
           <a:prstGeom prst="rect">
             <a:avLst/>
           </a:prstGeom>
         </p:spPr>
       </p:pic>
+      <p:pic>
+        <p:nvPicPr>
+          <p:cNvPr id="4" name="图片 3">
+            <a:extLst>
+              <a:ext uri="{FF2B5EF4-FFF2-40B4-BE49-F238E27FC236}">
+                <a16:creationId xmlns:a16="http://schemas.microsoft.com/office/drawing/2014/main" id="{A230B79B-89E4-4783-BE90-2C00E0210BB0}"/>
+              </a:ext>
+            </a:extLst>
+          </p:cNvPr>
+          <p:cNvPicPr>
+            <a:picLocks noChangeAspect="1"/>
+          </p:cNvPicPr>
+          <p:nvPr/>
+        </p:nvPicPr>
+        <p:blipFill>
+          <a:blip r:embed="rId4"/>
+          <a:stretch>
+            <a:fillRect/>
+          </a:stretch>
+        </p:blipFill>
+        <p:spPr>
+          <a:xfrm>
+            <a:off x="2000313" y="654476"/>
+            <a:ext cx="3880370" cy="4066160"/>
+          </a:xfrm>
+          <a:prstGeom prst="rect">
+            <a:avLst/>
+          </a:prstGeom>
+        </p:spPr>
+      </p:pic>
+      <p:sp>
+        <p:nvSpPr>
+          <p:cNvPr id="5" name="文本框 4">
+            <a:extLst>
+              <a:ext uri="{FF2B5EF4-FFF2-40B4-BE49-F238E27FC236}">
+                <a16:creationId xmlns:a16="http://schemas.microsoft.com/office/drawing/2014/main" id="{A65E3E85-4194-456A-B4F8-2F48C622691C}"/>
+              </a:ext>
+            </a:extLst>
+          </p:cNvPr>
+          <p:cNvSpPr txBox="1"/>
+          <p:nvPr/>
+        </p:nvSpPr>
+        <p:spPr>
+          <a:xfrm>
+            <a:off x="4689446" y="708869"/>
+            <a:ext cx="2097248" cy="738664"/>
+          </a:xfrm>
+          <a:prstGeom prst="rect">
+            <a:avLst/>
+          </a:prstGeom>
+          <a:noFill/>
+          <a:ln>
+            <a:solidFill>
+              <a:srgbClr val="FF0000"/>
+            </a:solidFill>
+          </a:ln>
+        </p:spPr>
+        <p:txBody>
+          <a:bodyPr wrap="square" rtlCol="0">
+            <a:spAutoFit/>
+          </a:bodyPr>
+          <a:lstStyle/>
+          <a:p>
+            <a:r>
+              <a:rPr lang="en-US" altLang="zh-CN" dirty="0">
+                <a:solidFill>
+                  <a:srgbClr val="FF0000"/>
+                </a:solidFill>
+              </a:rPr>
+              <a:t>Data Source should support </a:t>
+            </a:r>
+            <a:r>
+              <a:rPr lang="en-US" altLang="zh-CN" dirty="0" err="1">
+                <a:solidFill>
+                  <a:srgbClr val="FF0000"/>
+                </a:solidFill>
+              </a:rPr>
+              <a:t>IEnumable</a:t>
+            </a:r>
+            <a:r>
+              <a:rPr lang="en-US" altLang="zh-CN" dirty="0">
+                <a:solidFill>
+                  <a:srgbClr val="FF0000"/>
+                </a:solidFill>
+              </a:rPr>
+              <a:t> Interface</a:t>
+            </a:r>
+            <a:endParaRPr lang="zh-CN" altLang="en-US" dirty="0">
+              <a:solidFill>
+                <a:srgbClr val="FF0000"/>
+              </a:solidFill>
+            </a:endParaRPr>
+          </a:p>
+        </p:txBody>
+      </p:sp>
     </p:spTree>
   </p:cSld>
   <p:clrMapOvr>
@@ -7680,24 +9022,111 @@
                             </p:stCondLst>
                             <p:childTnLst>
                               <p:par>
-                                <p:cTn id="5" presetID="1" presetClass="entr" presetSubtype="0" fill="hold" grpId="0" nodeType="clickEffect">
+                                <p:cTn id="5" presetID="2" presetClass="exit" presetSubtype="4" fill="hold" nodeType="clickEffect">
+                                  <p:stCondLst>
+                                    <p:cond delay="0"/>
+                                  </p:stCondLst>
+                                  <p:childTnLst>
+                                    <p:anim calcmode="lin" valueType="num">
+                                      <p:cBhvr additive="base">
+                                        <p:cTn id="6" dur="500"/>
+                                        <p:tgtEl>
+                                          <p:spTgt spid="2"/>
+                                        </p:tgtEl>
+                                        <p:attrNameLst>
+                                          <p:attrName>ppt_x</p:attrName>
+                                        </p:attrNameLst>
+                                      </p:cBhvr>
+                                      <p:tavLst>
+                                        <p:tav tm="0">
+                                          <p:val>
+                                            <p:strVal val="ppt_x"/>
+                                          </p:val>
+                                        </p:tav>
+                                        <p:tav tm="100000">
+                                          <p:val>
+                                            <p:strVal val="ppt_x"/>
+                                          </p:val>
+                                        </p:tav>
+                                      </p:tavLst>
+                                    </p:anim>
+                                    <p:anim calcmode="lin" valueType="num">
+                                      <p:cBhvr additive="base">
+                                        <p:cTn id="7" dur="500"/>
+                                        <p:tgtEl>
+                                          <p:spTgt spid="2"/>
+                                        </p:tgtEl>
+                                        <p:attrNameLst>
+                                          <p:attrName>ppt_y</p:attrName>
+                                        </p:attrNameLst>
+                                      </p:cBhvr>
+                                      <p:tavLst>
+                                        <p:tav tm="0">
+                                          <p:val>
+                                            <p:strVal val="ppt_y"/>
+                                          </p:val>
+                                        </p:tav>
+                                        <p:tav tm="100000">
+                                          <p:val>
+                                            <p:strVal val="1+ppt_h/2"/>
+                                          </p:val>
+                                        </p:tav>
+                                      </p:tavLst>
+                                    </p:anim>
+                                    <p:set>
+                                      <p:cBhvr>
+                                        <p:cTn id="8" dur="1" fill="hold">
+                                          <p:stCondLst>
+                                            <p:cond delay="499"/>
+                                          </p:stCondLst>
+                                        </p:cTn>
+                                        <p:tgtEl>
+                                          <p:spTgt spid="2"/>
+                                        </p:tgtEl>
+                                        <p:attrNameLst>
+                                          <p:attrName>style.visibility</p:attrName>
+                                        </p:attrNameLst>
+                                      </p:cBhvr>
+                                      <p:to>
+                                        <p:strVal val="hidden"/>
+                                      </p:to>
+                                    </p:set>
+                                  </p:childTnLst>
+                                </p:cTn>
+                              </p:par>
+                            </p:childTnLst>
+                          </p:cTn>
+                        </p:par>
+                      </p:childTnLst>
+                    </p:cTn>
+                  </p:par>
+                  <p:par>
+                    <p:cTn id="9" fill="hold">
+                      <p:stCondLst>
+                        <p:cond delay="indefinite"/>
+                      </p:stCondLst>
+                      <p:childTnLst>
+                        <p:par>
+                          <p:cTn id="10" fill="hold">
+                            <p:stCondLst>
+                              <p:cond delay="0"/>
+                            </p:stCondLst>
+                            <p:childTnLst>
+                              <p:par>
+                                <p:cTn id="11" presetID="42" presetClass="entr" presetSubtype="0" fill="hold" nodeType="clickEffect">
                                   <p:stCondLst>
                                     <p:cond delay="0"/>
                                   </p:stCondLst>
                                   <p:childTnLst>
                                     <p:set>
                                       <p:cBhvr>
-                                        <p:cTn id="6" dur="1" fill="hold">
+                                        <p:cTn id="12" dur="1" fill="hold">
                                           <p:stCondLst>
                                             <p:cond delay="0"/>
                                           </p:stCondLst>
                                         </p:cTn>
                                         <p:tgtEl>
-                                          <p:spTgt spid="99">
-                                            <p:txEl>
-                                              <p:pRg st="0" end="0"/>
-                                            </p:txEl>
-                                          </p:spTgt>
+                                          <p:spTgt spid="4"/>
                                         </p:tgtEl>
                                         <p:attrNameLst>
                                           <p:attrName>style.visibility</p:attrName>
@@ -7707,6 +9136,159 @@
                                         <p:strVal val="visible"/>
                                       </p:to>
                                     </p:set>
+                                    <p:animEffect transition="in" filter="fade">
+                                      <p:cBhvr>
+                                        <p:cTn id="13" dur="1000"/>
+                                        <p:tgtEl>
+                                          <p:spTgt spid="4"/>
+                                        </p:tgtEl>
+                                      </p:cBhvr>
+                                    </p:animEffect>
+                                    <p:anim calcmode="lin" valueType="num">
+                                      <p:cBhvr>
+                                        <p:cTn id="14" dur="1000" fill="hold"/>
+                                        <p:tgtEl>
+                                          <p:spTgt spid="4"/>
+                                        </p:tgtEl>
+                                        <p:attrNameLst>
+                                          <p:attrName>ppt_x</p:attrName>
+                                        </p:attrNameLst>
+                                      </p:cBhvr>
+                                      <p:tavLst>
+                                        <p:tav tm="0">
+                                          <p:val>
+                                            <p:strVal val="#ppt_x"/>
+                                          </p:val>
+                                        </p:tav>
+                                        <p:tav tm="100000">
+                                          <p:val>
+                                            <p:strVal val="#ppt_x"/>
+                                          </p:val>
+                                        </p:tav>
+                                      </p:tavLst>
+                                    </p:anim>
+                                    <p:anim calcmode="lin" valueType="num">
+                                      <p:cBhvr>
+                                        <p:cTn id="15" dur="1000" fill="hold"/>
+                                        <p:tgtEl>
+                                          <p:spTgt spid="4"/>
+                                        </p:tgtEl>
+                                        <p:attrNameLst>
+                                          <p:attrName>ppt_y</p:attrName>
+                                        </p:attrNameLst>
+                                      </p:cBhvr>
+                                      <p:tavLst>
+                                        <p:tav tm="0">
+                                          <p:val>
+                                            <p:strVal val="#ppt_y+.1"/>
+                                          </p:val>
+                                        </p:tav>
+                                        <p:tav tm="100000">
+                                          <p:val>
+                                            <p:strVal val="#ppt_y"/>
+                                          </p:val>
+                                        </p:tav>
+                                      </p:tavLst>
+                                    </p:anim>
+                                  </p:childTnLst>
+                                </p:cTn>
+                              </p:par>
+                            </p:childTnLst>
+                          </p:cTn>
+                        </p:par>
+                      </p:childTnLst>
+                    </p:cTn>
+                  </p:par>
+                  <p:par>
+                    <p:cTn id="16" fill="hold">
+                      <p:stCondLst>
+                        <p:cond delay="indefinite"/>
+                      </p:stCondLst>
+                      <p:childTnLst>
+                        <p:par>
+                          <p:cTn id="17" fill="hold">
+                            <p:stCondLst>
+                              <p:cond delay="0"/>
+                            </p:stCondLst>
+                            <p:childTnLst>
+                              <p:par>
+                                <p:cTn id="18" presetID="42" presetClass="entr" presetSubtype="0" fill="hold" grpId="0" nodeType="clickEffect">
+                                  <p:stCondLst>
+                                    <p:cond delay="0"/>
+                                  </p:stCondLst>
+                                  <p:childTnLst>
+                                    <p:set>
+                                      <p:cBhvr>
+                                        <p:cTn id="19" dur="1" fill="hold">
+                                          <p:stCondLst>
+                                            <p:cond delay="0"/>
+                                          </p:stCondLst>
+                                        </p:cTn>
+                                        <p:tgtEl>
+                                          <p:spTgt spid="5"/>
+                                        </p:tgtEl>
+                                        <p:attrNameLst>
+                                          <p:attrName>style.visibility</p:attrName>
+                                        </p:attrNameLst>
+                                      </p:cBhvr>
+                                      <p:to>
+                                        <p:strVal val="visible"/>
+                                      </p:to>
+                                    </p:set>
+                                    <p:animEffect transition="in" filter="fade">
+                                      <p:cBhvr>
+                                        <p:cTn id="20" dur="1000"/>
+                                        <p:tgtEl>
+                                          <p:spTgt spid="5"/>
+                                        </p:tgtEl>
+                                      </p:cBhvr>
+                                    </p:animEffect>
+                                    <p:anim calcmode="lin" valueType="num">
+                                      <p:cBhvr>
+                                        <p:cTn id="21" dur="1000" fill="hold"/>
+                                        <p:tgtEl>
+                                          <p:spTgt spid="5"/>
+                                        </p:tgtEl>
+                                        <p:attrNameLst>
+                                          <p:attrName>ppt_x</p:attrName>
+                                        </p:attrNameLst>
+                                      </p:cBhvr>
+                                      <p:tavLst>
+                                        <p:tav tm="0">
+                                          <p:val>
+                                            <p:strVal val="#ppt_x"/>
+                                          </p:val>
+                                        </p:tav>
+                                        <p:tav tm="100000">
+                                          <p:val>
+                                            <p:strVal val="#ppt_x"/>
+                                          </p:val>
+                                        </p:tav>
+                                      </p:tavLst>
+                                    </p:anim>
+                                    <p:anim calcmode="lin" valueType="num">
+                                      <p:cBhvr>
+                                        <p:cTn id="22" dur="1000" fill="hold"/>
+                                        <p:tgtEl>
+                                          <p:spTgt spid="5"/>
+                                        </p:tgtEl>
+                                        <p:attrNameLst>
+                                          <p:attrName>ppt_y</p:attrName>
+                                        </p:attrNameLst>
+                                      </p:cBhvr>
+                                      <p:tavLst>
+                                        <p:tav tm="0">
+                                          <p:val>
+                                            <p:strVal val="#ppt_y+.1"/>
+                                          </p:val>
+                                        </p:tav>
+                                        <p:tav tm="100000">
+                                          <p:val>
+                                            <p:strVal val="#ppt_y"/>
+                                          </p:val>
+                                        </p:tav>
+                                      </p:tavLst>
+                                    </p:anim>
                                   </p:childTnLst>
                                 </p:cTn>
                               </p:par>
@@ -7738,7 +9320,7 @@
       </p:par>
     </p:tnLst>
     <p:bldLst>
-      <p:bldP spid="99" grpId="0" build="p"/>
+      <p:bldP spid="5" grpId="0" animBg="1"/>
     </p:bldLst>
   </p:timing>
 </p:sld>
@@ -7811,12 +9393,160 @@
           </a:p>
         </p:txBody>
       </p:sp>
+      <p:sp>
+        <p:nvSpPr>
+          <p:cNvPr id="2" name="文本框 1">
+            <a:extLst>
+              <a:ext uri="{FF2B5EF4-FFF2-40B4-BE49-F238E27FC236}">
+                <a16:creationId xmlns:a16="http://schemas.microsoft.com/office/drawing/2014/main" id="{6DE1AAE6-F45E-4215-9062-D827557461D0}"/>
+              </a:ext>
+            </a:extLst>
+          </p:cNvPr>
+          <p:cNvSpPr txBox="1"/>
+          <p:nvPr/>
+        </p:nvSpPr>
+        <p:spPr>
+          <a:xfrm>
+            <a:off x="1803633" y="1489046"/>
+            <a:ext cx="4504888" cy="3754874"/>
+          </a:xfrm>
+          <a:prstGeom prst="rect">
+            <a:avLst/>
+          </a:prstGeom>
+          <a:noFill/>
+        </p:spPr>
+        <p:txBody>
+          <a:bodyPr wrap="square" rtlCol="0">
+            <a:spAutoFit/>
+          </a:bodyPr>
+          <a:lstStyle/>
+          <a:p>
+            <a:r>
+              <a:rPr lang="en-US" altLang="zh-CN" dirty="0">
+                <a:solidFill>
+                  <a:srgbClr val="FF0000"/>
+                </a:solidFill>
+              </a:rPr>
+              <a:t>Filtering</a:t>
+            </a:r>
+          </a:p>
+          <a:p>
+            <a:endParaRPr lang="en-US" altLang="zh-CN" dirty="0">
+              <a:solidFill>
+                <a:srgbClr val="FF0000"/>
+              </a:solidFill>
+            </a:endParaRPr>
+          </a:p>
+          <a:p>
+            <a:endParaRPr lang="en-US" altLang="zh-CN" dirty="0">
+              <a:solidFill>
+                <a:srgbClr val="FF0000"/>
+              </a:solidFill>
+            </a:endParaRPr>
+          </a:p>
+          <a:p>
+            <a:endParaRPr lang="en-US" altLang="zh-CN" dirty="0">
+              <a:solidFill>
+                <a:srgbClr val="FF0000"/>
+              </a:solidFill>
+            </a:endParaRPr>
+          </a:p>
+          <a:p>
+            <a:endParaRPr lang="en-US" altLang="zh-CN" dirty="0">
+              <a:solidFill>
+                <a:srgbClr val="FF0000"/>
+              </a:solidFill>
+            </a:endParaRPr>
+          </a:p>
+          <a:p>
+            <a:r>
+              <a:rPr lang="en-US" altLang="zh-CN" dirty="0">
+                <a:solidFill>
+                  <a:srgbClr val="FF0000"/>
+                </a:solidFill>
+              </a:rPr>
+              <a:t>Ordering</a:t>
+            </a:r>
+          </a:p>
+          <a:p>
+            <a:endParaRPr lang="en-US" altLang="zh-CN" dirty="0">
+              <a:solidFill>
+                <a:srgbClr val="FF0000"/>
+              </a:solidFill>
+            </a:endParaRPr>
+          </a:p>
+          <a:p>
+            <a:endParaRPr lang="en-US" altLang="zh-CN" dirty="0">
+              <a:solidFill>
+                <a:srgbClr val="FF0000"/>
+              </a:solidFill>
+            </a:endParaRPr>
+          </a:p>
+          <a:p>
+            <a:endParaRPr lang="en-US" altLang="zh-CN" dirty="0">
+              <a:solidFill>
+                <a:srgbClr val="FF0000"/>
+              </a:solidFill>
+            </a:endParaRPr>
+          </a:p>
+          <a:p>
+            <a:endParaRPr lang="en-US" altLang="zh-CN" dirty="0">
+              <a:solidFill>
+                <a:srgbClr val="FF0000"/>
+              </a:solidFill>
+            </a:endParaRPr>
+          </a:p>
+          <a:p>
+            <a:endParaRPr lang="en-US" altLang="zh-CN" dirty="0">
+              <a:solidFill>
+                <a:srgbClr val="FF0000"/>
+              </a:solidFill>
+            </a:endParaRPr>
+          </a:p>
+          <a:p>
+            <a:endParaRPr lang="en-US" altLang="zh-CN" dirty="0">
+              <a:solidFill>
+                <a:srgbClr val="FF0000"/>
+              </a:solidFill>
+            </a:endParaRPr>
+          </a:p>
+          <a:p>
+            <a:r>
+              <a:rPr lang="en-US" altLang="zh-CN" dirty="0">
+                <a:solidFill>
+                  <a:srgbClr val="FF0000"/>
+                </a:solidFill>
+              </a:rPr>
+              <a:t>Etc..</a:t>
+            </a:r>
+          </a:p>
+          <a:p>
+            <a:endParaRPr lang="en-US" altLang="zh-CN" dirty="0">
+              <a:solidFill>
+                <a:srgbClr val="FF0000"/>
+              </a:solidFill>
+            </a:endParaRPr>
+          </a:p>
+          <a:p>
+            <a:r>
+              <a:rPr lang="en-US" altLang="zh-CN" dirty="0"/>
+              <a:t> </a:t>
+            </a:r>
+          </a:p>
+          <a:p>
+            <a:endParaRPr lang="en-US" altLang="zh-CN" dirty="0"/>
+          </a:p>
+          <a:p>
+            <a:endParaRPr lang="zh-CN" altLang="en-US" dirty="0"/>
+          </a:p>
+        </p:txBody>
+      </p:sp>
       <p:pic>
         <p:nvPicPr>
-          <p:cNvPr id="3" name="图片 2">
+          <p:cNvPr id="7" name="图片 6">
             <a:extLst>
               <a:ext uri="{FF2B5EF4-FFF2-40B4-BE49-F238E27FC236}">
-                <a16:creationId xmlns:a16="http://schemas.microsoft.com/office/drawing/2014/main" id="{30341BE3-7B65-486B-9464-4627C44DE723}"/>
+                <a16:creationId xmlns:a16="http://schemas.microsoft.com/office/drawing/2014/main" id="{6EE1090E-76AE-4EA8-8562-B61EFE7A4EAF}"/>
               </a:ext>
             </a:extLst>
           </p:cNvPr>
@@ -7833,56 +9563,20 @@
         </p:blipFill>
         <p:spPr>
           <a:xfrm>
-            <a:off x="1843306" y="1125304"/>
-            <a:ext cx="2781300" cy="1114425"/>
+            <a:off x="1667355" y="1784355"/>
+            <a:ext cx="4702425" cy="806130"/>
           </a:xfrm>
           <a:prstGeom prst="rect">
             <a:avLst/>
           </a:prstGeom>
         </p:spPr>
       </p:pic>
-      <p:sp>
-        <p:nvSpPr>
-          <p:cNvPr id="4" name="文本框 3">
+      <p:pic>
+        <p:nvPicPr>
+          <p:cNvPr id="10" name="图片 9">
             <a:extLst>
               <a:ext uri="{FF2B5EF4-FFF2-40B4-BE49-F238E27FC236}">
-                <a16:creationId xmlns:a16="http://schemas.microsoft.com/office/drawing/2014/main" id="{1F3E11C8-57F3-48EA-B943-68B076DDBC07}"/>
-              </a:ext>
-            </a:extLst>
-          </p:cNvPr>
-          <p:cNvSpPr txBox="1"/>
-          <p:nvPr/>
-        </p:nvSpPr>
-        <p:spPr>
-          <a:xfrm>
-            <a:off x="2031883" y="2263973"/>
-            <a:ext cx="2072081" cy="307777"/>
-          </a:xfrm>
-          <a:prstGeom prst="rect">
-            <a:avLst/>
-          </a:prstGeom>
-          <a:noFill/>
-        </p:spPr>
-        <p:txBody>
-          <a:bodyPr wrap="square" rtlCol="0">
-            <a:spAutoFit/>
-          </a:bodyPr>
-          <a:lstStyle/>
-          <a:p>
-            <a:r>
-              <a:rPr lang="en-US" altLang="zh-CN" dirty="0"/>
-              <a:t>Add is about 1+1.</a:t>
-            </a:r>
-            <a:endParaRPr lang="zh-CN" altLang="en-US" dirty="0"/>
-          </a:p>
-        </p:txBody>
-      </p:sp>
-      <p:pic>
-        <p:nvPicPr>
-          <p:cNvPr id="5" name="图片 4">
-            <a:extLst>
-              <a:ext uri="{FF2B5EF4-FFF2-40B4-BE49-F238E27FC236}">
-                <a16:creationId xmlns:a16="http://schemas.microsoft.com/office/drawing/2014/main" id="{81B10DA8-0290-484E-AEC2-6BD0B4E41EE5}"/>
+                <a16:creationId xmlns:a16="http://schemas.microsoft.com/office/drawing/2014/main" id="{46479421-EB5A-4C9E-A019-9AF87F21C31B}"/>
               </a:ext>
             </a:extLst>
           </p:cNvPr>
@@ -7899,179 +9593,19 @@
         </p:blipFill>
         <p:spPr>
           <a:xfrm>
-            <a:off x="1925273" y="2759804"/>
-            <a:ext cx="2019300" cy="1066800"/>
+            <a:off x="1667355" y="2885794"/>
+            <a:ext cx="3164738" cy="1157700"/>
           </a:xfrm>
           <a:prstGeom prst="rect">
             <a:avLst/>
           </a:prstGeom>
         </p:spPr>
       </p:pic>
-      <p:sp>
-        <p:nvSpPr>
-          <p:cNvPr id="8" name="文本框 7">
-            <a:extLst>
-              <a:ext uri="{FF2B5EF4-FFF2-40B4-BE49-F238E27FC236}">
-                <a16:creationId xmlns:a16="http://schemas.microsoft.com/office/drawing/2014/main" id="{9F89EFAA-0F90-40F4-B881-C855A5B8335C}"/>
-              </a:ext>
-            </a:extLst>
-          </p:cNvPr>
-          <p:cNvSpPr txBox="1"/>
-          <p:nvPr/>
-        </p:nvSpPr>
-        <p:spPr>
-          <a:xfrm>
-            <a:off x="2031882" y="3710419"/>
-            <a:ext cx="2072081" cy="523220"/>
-          </a:xfrm>
-          <a:prstGeom prst="rect">
-            <a:avLst/>
-          </a:prstGeom>
-          <a:noFill/>
-        </p:spPr>
-        <p:txBody>
-          <a:bodyPr wrap="square" rtlCol="0">
-            <a:spAutoFit/>
-          </a:bodyPr>
-          <a:lstStyle/>
-          <a:p>
-            <a:r>
-              <a:rPr lang="en-US" altLang="zh-CN" dirty="0"/>
-              <a:t>Append is about one person join a queue.</a:t>
-            </a:r>
-            <a:endParaRPr lang="zh-CN" altLang="en-US" dirty="0"/>
-          </a:p>
-        </p:txBody>
-      </p:sp>
     </p:spTree>
   </p:cSld>
   <p:clrMapOvr>
     <a:masterClrMapping/>
   </p:clrMapOvr>
-  <p:timing>
-    <p:tnLst>
-      <p:par>
-        <p:cTn id="1" dur="indefinite" restart="never" nodeType="tmRoot">
-          <p:childTnLst>
-            <p:seq concurrent="1" nextAc="seek">
-              <p:cTn id="2" dur="indefinite" nodeType="mainSeq">
-                <p:childTnLst>
-                  <p:par>
-                    <p:cTn id="3" fill="hold">
-                      <p:stCondLst>
-                        <p:cond delay="indefinite"/>
-                      </p:stCondLst>
-                      <p:childTnLst>
-                        <p:par>
-                          <p:cTn id="4" fill="hold">
-                            <p:stCondLst>
-                              <p:cond delay="0"/>
-                            </p:stCondLst>
-                            <p:childTnLst>
-                              <p:par>
-                                <p:cTn id="5" presetID="1" presetClass="entr" presetSubtype="0" fill="hold" grpId="0" nodeType="clickEffect">
-                                  <p:stCondLst>
-                                    <p:cond delay="0"/>
-                                  </p:stCondLst>
-                                  <p:childTnLst>
-                                    <p:set>
-                                      <p:cBhvr>
-                                        <p:cTn id="6" dur="1" fill="hold">
-                                          <p:stCondLst>
-                                            <p:cond delay="0"/>
-                                          </p:stCondLst>
-                                        </p:cTn>
-                                        <p:tgtEl>
-                                          <p:spTgt spid="4"/>
-                                        </p:tgtEl>
-                                        <p:attrNameLst>
-                                          <p:attrName>style.visibility</p:attrName>
-                                        </p:attrNameLst>
-                                      </p:cBhvr>
-                                      <p:to>
-                                        <p:strVal val="visible"/>
-                                      </p:to>
-                                    </p:set>
-                                  </p:childTnLst>
-                                </p:cTn>
-                              </p:par>
-                            </p:childTnLst>
-                          </p:cTn>
-                        </p:par>
-                      </p:childTnLst>
-                    </p:cTn>
-                  </p:par>
-                  <p:par>
-                    <p:cTn id="7" fill="hold">
-                      <p:stCondLst>
-                        <p:cond delay="indefinite"/>
-                      </p:stCondLst>
-                      <p:childTnLst>
-                        <p:par>
-                          <p:cTn id="8" fill="hold">
-                            <p:stCondLst>
-                              <p:cond delay="0"/>
-                            </p:stCondLst>
-                            <p:childTnLst>
-                              <p:par>
-                                <p:cTn id="9" presetID="1" presetClass="entr" presetSubtype="0" fill="hold" grpId="0" nodeType="clickEffect">
-                                  <p:stCondLst>
-                                    <p:cond delay="0"/>
-                                  </p:stCondLst>
-                                  <p:childTnLst>
-                                    <p:set>
-                                      <p:cBhvr>
-                                        <p:cTn id="10" dur="1" fill="hold">
-                                          <p:stCondLst>
-                                            <p:cond delay="0"/>
-                                          </p:stCondLst>
-                                        </p:cTn>
-                                        <p:tgtEl>
-                                          <p:spTgt spid="8"/>
-                                        </p:tgtEl>
-                                        <p:attrNameLst>
-                                          <p:attrName>style.visibility</p:attrName>
-                                        </p:attrNameLst>
-                                      </p:cBhvr>
-                                      <p:to>
-                                        <p:strVal val="visible"/>
-                                      </p:to>
-                                    </p:set>
-                                  </p:childTnLst>
-                                </p:cTn>
-                              </p:par>
-                            </p:childTnLst>
-                          </p:cTn>
-                        </p:par>
-                      </p:childTnLst>
-                    </p:cTn>
-                  </p:par>
-                </p:childTnLst>
-              </p:cTn>
-              <p:prevCondLst>
-                <p:cond evt="onPrev" delay="0">
-                  <p:tgtEl>
-                    <p:sldTgt/>
-                  </p:tgtEl>
-                </p:cond>
-              </p:prevCondLst>
-              <p:nextCondLst>
-                <p:cond evt="onNext" delay="0">
-                  <p:tgtEl>
-                    <p:sldTgt/>
-                  </p:tgtEl>
-                </p:cond>
-              </p:nextCondLst>
-            </p:seq>
-          </p:childTnLst>
-        </p:cTn>
-      </p:par>
-    </p:tnLst>
-    <p:bldLst>
-      <p:bldP spid="4" grpId="0"/>
-      <p:bldP spid="8" grpId="0"/>
-    </p:bldLst>
-  </p:timing>
 </p:sld>
 </file>
 
@@ -8112,7 +9646,7 @@
         </p:nvSpPr>
         <p:spPr>
           <a:xfrm>
-            <a:off x="685800" y="1964350"/>
+            <a:off x="895388" y="2736137"/>
             <a:ext cx="4531500" cy="1159800"/>
           </a:xfrm>
           <a:prstGeom prst="rect">
@@ -8135,14 +9669,29 @@
               <a:buNone/>
             </a:pPr>
             <a:r>
-              <a:rPr lang="en" sz="3600">
+              <a:rPr lang="en" sz="3600" dirty="0">
                 <a:solidFill>
                   <a:srgbClr val="FF5722"/>
                 </a:solidFill>
               </a:rPr>
               <a:t>THANKS!</a:t>
             </a:r>
-            <a:endParaRPr sz="3600">
+            <a:br>
+              <a:rPr lang="en" sz="3600" dirty="0">
+                <a:solidFill>
+                  <a:srgbClr val="FF5722"/>
+                </a:solidFill>
+              </a:rPr>
+            </a:br>
+            <a:r>
+              <a:rPr lang="en" sz="3600" dirty="0">
+                <a:solidFill>
+                  <a:srgbClr val="FF5722"/>
+                </a:solidFill>
+              </a:rPr>
+              <a:t>See you in the Lighting Talk!</a:t>
+            </a:r>
+            <a:endParaRPr sz="3600" dirty="0">
               <a:solidFill>
                 <a:srgbClr val="FF5722"/>
               </a:solidFill>
